--- a/01. Pre-Classic/Estudo Vertices.pptx
+++ b/01. Pre-Classic/Estudo Vertices.pptx
@@ -16,6 +16,9 @@
     <p:sldId id="262" r:id="rId10"/>
     <p:sldId id="263" r:id="rId11"/>
     <p:sldId id="264" r:id="rId12"/>
+    <p:sldId id="269" r:id="rId13"/>
+    <p:sldId id="268" r:id="rId14"/>
+    <p:sldId id="270" r:id="rId15"/>
   </p:sldIdLst>
   <p:sldSz cx="12192000" cy="6858000"/>
   <p:notesSz cx="6858000" cy="9144000"/>
@@ -269,7 +272,7 @@
           <a:p>
             <a:fld id="{9395FB30-1500-4883-9C35-12FF551837DE}" type="datetimeFigureOut">
               <a:rPr lang="pt-BR" smtClean="0"/>
-              <a:t>29/12/25</a:t>
+              <a:t>31/12/25</a:t>
             </a:fld>
             <a:endParaRPr lang="pt-BR"/>
           </a:p>
@@ -467,7 +470,7 @@
           <a:p>
             <a:fld id="{9395FB30-1500-4883-9C35-12FF551837DE}" type="datetimeFigureOut">
               <a:rPr lang="pt-BR" smtClean="0"/>
-              <a:t>29/12/25</a:t>
+              <a:t>31/12/25</a:t>
             </a:fld>
             <a:endParaRPr lang="pt-BR"/>
           </a:p>
@@ -675,7 +678,7 @@
           <a:p>
             <a:fld id="{9395FB30-1500-4883-9C35-12FF551837DE}" type="datetimeFigureOut">
               <a:rPr lang="pt-BR" smtClean="0"/>
-              <a:t>29/12/25</a:t>
+              <a:t>31/12/25</a:t>
             </a:fld>
             <a:endParaRPr lang="pt-BR"/>
           </a:p>
@@ -873,7 +876,7 @@
           <a:p>
             <a:fld id="{9395FB30-1500-4883-9C35-12FF551837DE}" type="datetimeFigureOut">
               <a:rPr lang="pt-BR" smtClean="0"/>
-              <a:t>29/12/25</a:t>
+              <a:t>31/12/25</a:t>
             </a:fld>
             <a:endParaRPr lang="pt-BR"/>
           </a:p>
@@ -1148,7 +1151,7 @@
           <a:p>
             <a:fld id="{9395FB30-1500-4883-9C35-12FF551837DE}" type="datetimeFigureOut">
               <a:rPr lang="pt-BR" smtClean="0"/>
-              <a:t>29/12/25</a:t>
+              <a:t>31/12/25</a:t>
             </a:fld>
             <a:endParaRPr lang="pt-BR"/>
           </a:p>
@@ -1413,7 +1416,7 @@
           <a:p>
             <a:fld id="{9395FB30-1500-4883-9C35-12FF551837DE}" type="datetimeFigureOut">
               <a:rPr lang="pt-BR" smtClean="0"/>
-              <a:t>29/12/25</a:t>
+              <a:t>31/12/25</a:t>
             </a:fld>
             <a:endParaRPr lang="pt-BR"/>
           </a:p>
@@ -1825,7 +1828,7 @@
           <a:p>
             <a:fld id="{9395FB30-1500-4883-9C35-12FF551837DE}" type="datetimeFigureOut">
               <a:rPr lang="pt-BR" smtClean="0"/>
-              <a:t>29/12/25</a:t>
+              <a:t>31/12/25</a:t>
             </a:fld>
             <a:endParaRPr lang="pt-BR"/>
           </a:p>
@@ -1966,7 +1969,7 @@
           <a:p>
             <a:fld id="{9395FB30-1500-4883-9C35-12FF551837DE}" type="datetimeFigureOut">
               <a:rPr lang="pt-BR" smtClean="0"/>
-              <a:t>29/12/25</a:t>
+              <a:t>31/12/25</a:t>
             </a:fld>
             <a:endParaRPr lang="pt-BR"/>
           </a:p>
@@ -2079,7 +2082,7 @@
           <a:p>
             <a:fld id="{9395FB30-1500-4883-9C35-12FF551837DE}" type="datetimeFigureOut">
               <a:rPr lang="pt-BR" smtClean="0"/>
-              <a:t>29/12/25</a:t>
+              <a:t>31/12/25</a:t>
             </a:fld>
             <a:endParaRPr lang="pt-BR"/>
           </a:p>
@@ -2390,7 +2393,7 @@
           <a:p>
             <a:fld id="{9395FB30-1500-4883-9C35-12FF551837DE}" type="datetimeFigureOut">
               <a:rPr lang="pt-BR" smtClean="0"/>
-              <a:t>29/12/25</a:t>
+              <a:t>31/12/25</a:t>
             </a:fld>
             <a:endParaRPr lang="pt-BR"/>
           </a:p>
@@ -2678,7 +2681,7 @@
           <a:p>
             <a:fld id="{9395FB30-1500-4883-9C35-12FF551837DE}" type="datetimeFigureOut">
               <a:rPr lang="pt-BR" smtClean="0"/>
-              <a:t>29/12/25</a:t>
+              <a:t>31/12/25</a:t>
             </a:fld>
             <a:endParaRPr lang="pt-BR"/>
           </a:p>
@@ -2919,7 +2922,7 @@
           <a:p>
             <a:fld id="{9395FB30-1500-4883-9C35-12FF551837DE}" type="datetimeFigureOut">
               <a:rPr lang="pt-BR" smtClean="0"/>
-              <a:t>29/12/25</a:t>
+              <a:t>31/12/25</a:t>
             </a:fld>
             <a:endParaRPr lang="pt-BR"/>
           </a:p>
@@ -4883,6 +4886,3008 @@
     <p:extLst>
       <p:ext uri="{BB962C8B-B14F-4D97-AF65-F5344CB8AC3E}">
         <p14:creationId xmlns:p14="http://schemas.microsoft.com/office/powerpoint/2010/main" val="3182780734"/>
+      </p:ext>
+    </p:extLst>
+  </p:cSld>
+  <p:clrMapOvr>
+    <a:masterClrMapping/>
+  </p:clrMapOvr>
+</p:sld>
+</file>
+
+<file path=ppt/slides/slide12.xml><?xml version="1.0" encoding="utf-8"?>
+<p:sld xmlns:a="http://schemas.openxmlformats.org/drawingml/2006/main" xmlns:r="http://schemas.openxmlformats.org/officeDocument/2006/relationships" xmlns:p="http://schemas.openxmlformats.org/presentationml/2006/main">
+  <p:cSld>
+    <p:spTree>
+      <p:nvGrpSpPr>
+        <p:cNvPr id="1" name=""/>
+        <p:cNvGrpSpPr/>
+        <p:nvPr/>
+      </p:nvGrpSpPr>
+      <p:grpSpPr>
+        <a:xfrm>
+          <a:off x="0" y="0"/>
+          <a:ext cx="0" cy="0"/>
+          <a:chOff x="0" y="0"/>
+          <a:chExt cx="0" cy="0"/>
+        </a:xfrm>
+      </p:grpSpPr>
+      <p:sp>
+        <p:nvSpPr>
+          <p:cNvPr id="2" name="Retângulo 1">
+            <a:extLst>
+              <a:ext uri="{FF2B5EF4-FFF2-40B4-BE49-F238E27FC236}">
+                <a16:creationId xmlns:a16="http://schemas.microsoft.com/office/drawing/2014/main" id="{126CEC46-28DC-DF47-3140-CE0F08354E79}"/>
+              </a:ext>
+            </a:extLst>
+          </p:cNvPr>
+          <p:cNvSpPr/>
+          <p:nvPr/>
+        </p:nvSpPr>
+        <p:spPr>
+          <a:xfrm>
+            <a:off x="0" y="0"/>
+            <a:ext cx="12192000" cy="6858000"/>
+          </a:xfrm>
+          <a:prstGeom prst="rect">
+            <a:avLst/>
+          </a:prstGeom>
+          <a:solidFill>
+            <a:schemeClr val="tx1">
+              <a:lumMod val="95000"/>
+              <a:lumOff val="5000"/>
+            </a:schemeClr>
+          </a:solidFill>
+          <a:ln>
+            <a:noFill/>
+          </a:ln>
+        </p:spPr>
+        <p:style>
+          <a:lnRef idx="2">
+            <a:schemeClr val="accent1">
+              <a:shade val="15000"/>
+            </a:schemeClr>
+          </a:lnRef>
+          <a:fillRef idx="1">
+            <a:schemeClr val="accent1"/>
+          </a:fillRef>
+          <a:effectRef idx="0">
+            <a:schemeClr val="accent1"/>
+          </a:effectRef>
+          <a:fontRef idx="minor">
+            <a:schemeClr val="lt1"/>
+          </a:fontRef>
+        </p:style>
+        <p:txBody>
+          <a:bodyPr rtlCol="0" anchor="ctr"/>
+          <a:lstStyle/>
+          <a:p>
+            <a:pPr algn="ctr"/>
+            <a:endParaRPr lang="pt-BR"/>
+          </a:p>
+        </p:txBody>
+      </p:sp>
+    </p:spTree>
+    <p:extLst>
+      <p:ext uri="{BB962C8B-B14F-4D97-AF65-F5344CB8AC3E}">
+        <p14:creationId xmlns:p14="http://schemas.microsoft.com/office/powerpoint/2010/main" val="2699519475"/>
+      </p:ext>
+    </p:extLst>
+  </p:cSld>
+  <p:clrMapOvr>
+    <a:masterClrMapping/>
+  </p:clrMapOvr>
+</p:sld>
+</file>
+
+<file path=ppt/slides/slide13.xml><?xml version="1.0" encoding="utf-8"?>
+<p:sld xmlns:a="http://schemas.openxmlformats.org/drawingml/2006/main" xmlns:r="http://schemas.openxmlformats.org/officeDocument/2006/relationships" xmlns:p="http://schemas.openxmlformats.org/presentationml/2006/main">
+  <p:cSld>
+    <p:spTree>
+      <p:nvGrpSpPr>
+        <p:cNvPr id="1" name=""/>
+        <p:cNvGrpSpPr/>
+        <p:nvPr/>
+      </p:nvGrpSpPr>
+      <p:grpSpPr>
+        <a:xfrm>
+          <a:off x="0" y="0"/>
+          <a:ext cx="0" cy="0"/>
+          <a:chOff x="0" y="0"/>
+          <a:chExt cx="0" cy="0"/>
+        </a:xfrm>
+      </p:grpSpPr>
+      <p:sp>
+        <p:nvSpPr>
+          <p:cNvPr id="2" name="Retângulo 1">
+            <a:extLst>
+              <a:ext uri="{FF2B5EF4-FFF2-40B4-BE49-F238E27FC236}">
+                <a16:creationId xmlns:a16="http://schemas.microsoft.com/office/drawing/2014/main" id="{126CEC46-28DC-DF47-3140-CE0F08354E79}"/>
+              </a:ext>
+            </a:extLst>
+          </p:cNvPr>
+          <p:cNvSpPr/>
+          <p:nvPr/>
+        </p:nvSpPr>
+        <p:spPr>
+          <a:xfrm>
+            <a:off x="0" y="0"/>
+            <a:ext cx="12192000" cy="6858000"/>
+          </a:xfrm>
+          <a:prstGeom prst="rect">
+            <a:avLst/>
+          </a:prstGeom>
+          <a:solidFill>
+            <a:schemeClr val="tx1">
+              <a:lumMod val="95000"/>
+              <a:lumOff val="5000"/>
+            </a:schemeClr>
+          </a:solidFill>
+          <a:ln>
+            <a:noFill/>
+          </a:ln>
+        </p:spPr>
+        <p:style>
+          <a:lnRef idx="2">
+            <a:schemeClr val="accent1">
+              <a:shade val="15000"/>
+            </a:schemeClr>
+          </a:lnRef>
+          <a:fillRef idx="1">
+            <a:schemeClr val="accent1"/>
+          </a:fillRef>
+          <a:effectRef idx="0">
+            <a:schemeClr val="accent1"/>
+          </a:effectRef>
+          <a:fontRef idx="minor">
+            <a:schemeClr val="lt1"/>
+          </a:fontRef>
+        </p:style>
+        <p:txBody>
+          <a:bodyPr rtlCol="0" anchor="ctr"/>
+          <a:lstStyle/>
+          <a:p>
+            <a:pPr algn="ctr"/>
+            <a:endParaRPr lang="pt-BR" dirty="0"/>
+          </a:p>
+        </p:txBody>
+      </p:sp>
+      <p:pic>
+        <p:nvPicPr>
+          <p:cNvPr id="4" name="Imagem 3">
+            <a:extLst>
+              <a:ext uri="{FF2B5EF4-FFF2-40B4-BE49-F238E27FC236}">
+                <a16:creationId xmlns:a16="http://schemas.microsoft.com/office/drawing/2014/main" id="{D8D6F4DA-B266-4955-EC67-23DB1946B852}"/>
+              </a:ext>
+            </a:extLst>
+          </p:cNvPr>
+          <p:cNvPicPr>
+            <a:picLocks noChangeAspect="1"/>
+          </p:cNvPicPr>
+          <p:nvPr/>
+        </p:nvPicPr>
+        <p:blipFill>
+          <a:blip r:embed="rId2"/>
+          <a:stretch>
+            <a:fillRect/>
+          </a:stretch>
+        </p:blipFill>
+        <p:spPr>
+          <a:xfrm>
+            <a:off x="4943314" y="2276314"/>
+            <a:ext cx="2305372" cy="2305372"/>
+          </a:xfrm>
+          <a:prstGeom prst="rect">
+            <a:avLst/>
+          </a:prstGeom>
+          <a:scene3d>
+            <a:camera prst="isometricOffAxis2Left"/>
+            <a:lightRig rig="threePt" dir="t"/>
+          </a:scene3d>
+        </p:spPr>
+      </p:pic>
+      <p:pic>
+        <p:nvPicPr>
+          <p:cNvPr id="5" name="Imagem 4">
+            <a:extLst>
+              <a:ext uri="{FF2B5EF4-FFF2-40B4-BE49-F238E27FC236}">
+                <a16:creationId xmlns:a16="http://schemas.microsoft.com/office/drawing/2014/main" id="{C398C755-F037-B166-8BAE-CC100405C75D}"/>
+              </a:ext>
+            </a:extLst>
+          </p:cNvPr>
+          <p:cNvPicPr>
+            <a:picLocks noChangeAspect="1"/>
+          </p:cNvPicPr>
+          <p:nvPr/>
+        </p:nvPicPr>
+        <p:blipFill>
+          <a:blip r:embed="rId2"/>
+          <a:stretch>
+            <a:fillRect/>
+          </a:stretch>
+        </p:blipFill>
+        <p:spPr>
+          <a:xfrm>
+            <a:off x="6493195" y="2118163"/>
+            <a:ext cx="2305372" cy="2305372"/>
+          </a:xfrm>
+          <a:prstGeom prst="rect">
+            <a:avLst/>
+          </a:prstGeom>
+          <a:scene3d>
+            <a:camera prst="isometricOffAxis2Right"/>
+            <a:lightRig rig="threePt" dir="t"/>
+          </a:scene3d>
+        </p:spPr>
+      </p:pic>
+      <p:pic>
+        <p:nvPicPr>
+          <p:cNvPr id="6" name="Imagem 5">
+            <a:extLst>
+              <a:ext uri="{FF2B5EF4-FFF2-40B4-BE49-F238E27FC236}">
+                <a16:creationId xmlns:a16="http://schemas.microsoft.com/office/drawing/2014/main" id="{C81FE4EF-7613-F351-2216-D81D98C7BE0E}"/>
+              </a:ext>
+            </a:extLst>
+          </p:cNvPr>
+          <p:cNvPicPr>
+            <a:picLocks noChangeAspect="1"/>
+          </p:cNvPicPr>
+          <p:nvPr/>
+        </p:nvPicPr>
+        <p:blipFill>
+          <a:blip r:embed="rId2"/>
+          <a:stretch>
+            <a:fillRect/>
+          </a:stretch>
+        </p:blipFill>
+        <p:spPr>
+          <a:xfrm>
+            <a:off x="5452840" y="859082"/>
+            <a:ext cx="2305372" cy="2305372"/>
+          </a:xfrm>
+          <a:prstGeom prst="rect">
+            <a:avLst/>
+          </a:prstGeom>
+          <a:scene3d>
+            <a:camera prst="isometricOffAxis2Top"/>
+            <a:lightRig rig="threePt" dir="t"/>
+          </a:scene3d>
+        </p:spPr>
+      </p:pic>
+      <p:sp>
+        <p:nvSpPr>
+          <p:cNvPr id="3" name="Elipse 2">
+            <a:extLst>
+              <a:ext uri="{FF2B5EF4-FFF2-40B4-BE49-F238E27FC236}">
+                <a16:creationId xmlns:a16="http://schemas.microsoft.com/office/drawing/2014/main" id="{95E0D2D1-5904-115F-6883-399566A13C82}"/>
+              </a:ext>
+            </a:extLst>
+          </p:cNvPr>
+          <p:cNvSpPr/>
+          <p:nvPr/>
+        </p:nvSpPr>
+        <p:spPr>
+          <a:xfrm>
+            <a:off x="4987308" y="2107239"/>
+            <a:ext cx="180000" cy="180000"/>
+          </a:xfrm>
+          <a:prstGeom prst="ellipse">
+            <a:avLst/>
+          </a:prstGeom>
+          <a:solidFill>
+            <a:srgbClr val="C00000"/>
+          </a:solidFill>
+          <a:ln>
+            <a:noFill/>
+          </a:ln>
+        </p:spPr>
+        <p:style>
+          <a:lnRef idx="2">
+            <a:schemeClr val="accent1">
+              <a:shade val="15000"/>
+            </a:schemeClr>
+          </a:lnRef>
+          <a:fillRef idx="1">
+            <a:schemeClr val="accent1"/>
+          </a:fillRef>
+          <a:effectRef idx="0">
+            <a:schemeClr val="accent1"/>
+          </a:effectRef>
+          <a:fontRef idx="minor">
+            <a:schemeClr val="lt1"/>
+          </a:fontRef>
+        </p:style>
+        <p:txBody>
+          <a:bodyPr rtlCol="0" anchor="ctr"/>
+          <a:lstStyle/>
+          <a:p>
+            <a:pPr algn="ctr"/>
+            <a:endParaRPr lang="pt-BR" sz="1200" dirty="0">
+              <a:solidFill>
+                <a:schemeClr val="bg1"/>
+              </a:solidFill>
+              <a:latin typeface="Consolas" panose="020B0609020204030204" pitchFamily="49" charset="0"/>
+            </a:endParaRPr>
+          </a:p>
+        </p:txBody>
+      </p:sp>
+      <p:sp>
+        <p:nvSpPr>
+          <p:cNvPr id="7" name="Elipse 6">
+            <a:extLst>
+              <a:ext uri="{FF2B5EF4-FFF2-40B4-BE49-F238E27FC236}">
+                <a16:creationId xmlns:a16="http://schemas.microsoft.com/office/drawing/2014/main" id="{E90B240D-51A6-751E-ACD5-E568B40CCA5B}"/>
+              </a:ext>
+            </a:extLst>
+          </p:cNvPr>
+          <p:cNvSpPr/>
+          <p:nvPr/>
+        </p:nvSpPr>
+        <p:spPr>
+          <a:xfrm>
+            <a:off x="4951940" y="4304478"/>
+            <a:ext cx="180000" cy="180000"/>
+          </a:xfrm>
+          <a:prstGeom prst="ellipse">
+            <a:avLst/>
+          </a:prstGeom>
+          <a:solidFill>
+            <a:srgbClr val="C00000"/>
+          </a:solidFill>
+          <a:ln>
+            <a:noFill/>
+          </a:ln>
+        </p:spPr>
+        <p:style>
+          <a:lnRef idx="2">
+            <a:schemeClr val="accent1">
+              <a:shade val="15000"/>
+            </a:schemeClr>
+          </a:lnRef>
+          <a:fillRef idx="1">
+            <a:schemeClr val="accent1"/>
+          </a:fillRef>
+          <a:effectRef idx="0">
+            <a:schemeClr val="accent1"/>
+          </a:effectRef>
+          <a:fontRef idx="minor">
+            <a:schemeClr val="lt1"/>
+          </a:fontRef>
+        </p:style>
+        <p:txBody>
+          <a:bodyPr rtlCol="0" anchor="ctr"/>
+          <a:lstStyle/>
+          <a:p>
+            <a:pPr algn="ctr"/>
+            <a:endParaRPr lang="pt-BR" sz="1200" dirty="0">
+              <a:solidFill>
+                <a:schemeClr val="bg1"/>
+              </a:solidFill>
+              <a:latin typeface="Consolas" panose="020B0609020204030204" pitchFamily="49" charset="0"/>
+            </a:endParaRPr>
+          </a:p>
+        </p:txBody>
+      </p:sp>
+      <p:sp>
+        <p:nvSpPr>
+          <p:cNvPr id="8" name="Elipse 7">
+            <a:extLst>
+              <a:ext uri="{FF2B5EF4-FFF2-40B4-BE49-F238E27FC236}">
+                <a16:creationId xmlns:a16="http://schemas.microsoft.com/office/drawing/2014/main" id="{29B71C79-D354-F193-C582-72646ADCFC35}"/>
+              </a:ext>
+            </a:extLst>
+          </p:cNvPr>
+          <p:cNvSpPr/>
+          <p:nvPr/>
+        </p:nvSpPr>
+        <p:spPr>
+          <a:xfrm>
+            <a:off x="7077312" y="2425375"/>
+            <a:ext cx="180000" cy="180000"/>
+          </a:xfrm>
+          <a:prstGeom prst="ellipse">
+            <a:avLst/>
+          </a:prstGeom>
+          <a:solidFill>
+            <a:srgbClr val="C00000"/>
+          </a:solidFill>
+          <a:ln>
+            <a:noFill/>
+          </a:ln>
+        </p:spPr>
+        <p:style>
+          <a:lnRef idx="2">
+            <a:schemeClr val="accent1">
+              <a:shade val="15000"/>
+            </a:schemeClr>
+          </a:lnRef>
+          <a:fillRef idx="1">
+            <a:schemeClr val="accent1"/>
+          </a:fillRef>
+          <a:effectRef idx="0">
+            <a:schemeClr val="accent1"/>
+          </a:effectRef>
+          <a:fontRef idx="minor">
+            <a:schemeClr val="lt1"/>
+          </a:fontRef>
+        </p:style>
+        <p:txBody>
+          <a:bodyPr rtlCol="0" anchor="ctr"/>
+          <a:lstStyle/>
+          <a:p>
+            <a:pPr algn="ctr"/>
+            <a:endParaRPr lang="pt-BR" sz="1200" dirty="0">
+              <a:solidFill>
+                <a:schemeClr val="bg1"/>
+              </a:solidFill>
+              <a:latin typeface="Consolas" panose="020B0609020204030204" pitchFamily="49" charset="0"/>
+            </a:endParaRPr>
+          </a:p>
+        </p:txBody>
+      </p:sp>
+      <p:sp>
+        <p:nvSpPr>
+          <p:cNvPr id="9" name="Elipse 8">
+            <a:extLst>
+              <a:ext uri="{FF2B5EF4-FFF2-40B4-BE49-F238E27FC236}">
+                <a16:creationId xmlns:a16="http://schemas.microsoft.com/office/drawing/2014/main" id="{D4DCD432-3960-3BF9-5D03-19F615E2D7DC}"/>
+              </a:ext>
+            </a:extLst>
+          </p:cNvPr>
+          <p:cNvSpPr/>
+          <p:nvPr/>
+        </p:nvSpPr>
+        <p:spPr>
+          <a:xfrm>
+            <a:off x="7041944" y="4622614"/>
+            <a:ext cx="180000" cy="180000"/>
+          </a:xfrm>
+          <a:prstGeom prst="ellipse">
+            <a:avLst/>
+          </a:prstGeom>
+          <a:solidFill>
+            <a:srgbClr val="C00000"/>
+          </a:solidFill>
+          <a:ln>
+            <a:noFill/>
+          </a:ln>
+        </p:spPr>
+        <p:style>
+          <a:lnRef idx="2">
+            <a:schemeClr val="accent1">
+              <a:shade val="15000"/>
+            </a:schemeClr>
+          </a:lnRef>
+          <a:fillRef idx="1">
+            <a:schemeClr val="accent1"/>
+          </a:fillRef>
+          <a:effectRef idx="0">
+            <a:schemeClr val="accent1"/>
+          </a:effectRef>
+          <a:fontRef idx="minor">
+            <a:schemeClr val="lt1"/>
+          </a:fontRef>
+        </p:style>
+        <p:txBody>
+          <a:bodyPr rtlCol="0" anchor="ctr"/>
+          <a:lstStyle/>
+          <a:p>
+            <a:pPr algn="ctr"/>
+            <a:endParaRPr lang="pt-BR" sz="1200" dirty="0">
+              <a:solidFill>
+                <a:schemeClr val="bg1"/>
+              </a:solidFill>
+              <a:latin typeface="Consolas" panose="020B0609020204030204" pitchFamily="49" charset="0"/>
+            </a:endParaRPr>
+          </a:p>
+        </p:txBody>
+      </p:sp>
+      <p:sp>
+        <p:nvSpPr>
+          <p:cNvPr id="10" name="Elipse 9">
+            <a:extLst>
+              <a:ext uri="{FF2B5EF4-FFF2-40B4-BE49-F238E27FC236}">
+                <a16:creationId xmlns:a16="http://schemas.microsoft.com/office/drawing/2014/main" id="{27CAAD78-1848-74FF-15E6-E3CFF31A283A}"/>
+              </a:ext>
+            </a:extLst>
+          </p:cNvPr>
+          <p:cNvSpPr/>
+          <p:nvPr/>
+        </p:nvSpPr>
+        <p:spPr>
+          <a:xfrm>
+            <a:off x="8063110" y="1761879"/>
+            <a:ext cx="180000" cy="180000"/>
+          </a:xfrm>
+          <a:prstGeom prst="ellipse">
+            <a:avLst/>
+          </a:prstGeom>
+          <a:solidFill>
+            <a:srgbClr val="C00000"/>
+          </a:solidFill>
+          <a:ln>
+            <a:noFill/>
+          </a:ln>
+        </p:spPr>
+        <p:style>
+          <a:lnRef idx="2">
+            <a:schemeClr val="accent1">
+              <a:shade val="15000"/>
+            </a:schemeClr>
+          </a:lnRef>
+          <a:fillRef idx="1">
+            <a:schemeClr val="accent1"/>
+          </a:fillRef>
+          <a:effectRef idx="0">
+            <a:schemeClr val="accent1"/>
+          </a:effectRef>
+          <a:fontRef idx="minor">
+            <a:schemeClr val="lt1"/>
+          </a:fontRef>
+        </p:style>
+        <p:txBody>
+          <a:bodyPr rtlCol="0" anchor="ctr"/>
+          <a:lstStyle/>
+          <a:p>
+            <a:pPr algn="ctr"/>
+            <a:endParaRPr lang="pt-BR" sz="1200" dirty="0">
+              <a:solidFill>
+                <a:schemeClr val="bg1"/>
+              </a:solidFill>
+              <a:latin typeface="Consolas" panose="020B0609020204030204" pitchFamily="49" charset="0"/>
+            </a:endParaRPr>
+          </a:p>
+        </p:txBody>
+      </p:sp>
+      <p:sp>
+        <p:nvSpPr>
+          <p:cNvPr id="11" name="Elipse 10">
+            <a:extLst>
+              <a:ext uri="{FF2B5EF4-FFF2-40B4-BE49-F238E27FC236}">
+                <a16:creationId xmlns:a16="http://schemas.microsoft.com/office/drawing/2014/main" id="{0CFE3C9E-8212-A281-E34A-3230EDE765C6}"/>
+              </a:ext>
+            </a:extLst>
+          </p:cNvPr>
+          <p:cNvSpPr/>
+          <p:nvPr/>
+        </p:nvSpPr>
+        <p:spPr>
+          <a:xfrm>
+            <a:off x="8078441" y="3977251"/>
+            <a:ext cx="180000" cy="180000"/>
+          </a:xfrm>
+          <a:prstGeom prst="ellipse">
+            <a:avLst/>
+          </a:prstGeom>
+          <a:solidFill>
+            <a:srgbClr val="C00000"/>
+          </a:solidFill>
+          <a:ln>
+            <a:noFill/>
+          </a:ln>
+        </p:spPr>
+        <p:style>
+          <a:lnRef idx="2">
+            <a:schemeClr val="accent1">
+              <a:shade val="15000"/>
+            </a:schemeClr>
+          </a:lnRef>
+          <a:fillRef idx="1">
+            <a:schemeClr val="accent1"/>
+          </a:fillRef>
+          <a:effectRef idx="0">
+            <a:schemeClr val="accent1"/>
+          </a:effectRef>
+          <a:fontRef idx="minor">
+            <a:schemeClr val="lt1"/>
+          </a:fontRef>
+        </p:style>
+        <p:txBody>
+          <a:bodyPr rtlCol="0" anchor="ctr"/>
+          <a:lstStyle/>
+          <a:p>
+            <a:pPr algn="ctr"/>
+            <a:endParaRPr lang="pt-BR" sz="1200" dirty="0">
+              <a:solidFill>
+                <a:schemeClr val="bg1"/>
+              </a:solidFill>
+              <a:latin typeface="Consolas" panose="020B0609020204030204" pitchFamily="49" charset="0"/>
+            </a:endParaRPr>
+          </a:p>
+        </p:txBody>
+      </p:sp>
+      <p:sp>
+        <p:nvSpPr>
+          <p:cNvPr id="12" name="Elipse 11">
+            <a:extLst>
+              <a:ext uri="{FF2B5EF4-FFF2-40B4-BE49-F238E27FC236}">
+                <a16:creationId xmlns:a16="http://schemas.microsoft.com/office/drawing/2014/main" id="{0290774D-8552-7586-464C-3DE71972BA47}"/>
+              </a:ext>
+            </a:extLst>
+          </p:cNvPr>
+          <p:cNvSpPr/>
+          <p:nvPr/>
+        </p:nvSpPr>
+        <p:spPr>
+          <a:xfrm>
+            <a:off x="5988748" y="1436382"/>
+            <a:ext cx="180000" cy="180000"/>
+          </a:xfrm>
+          <a:prstGeom prst="ellipse">
+            <a:avLst/>
+          </a:prstGeom>
+          <a:solidFill>
+            <a:srgbClr val="C00000"/>
+          </a:solidFill>
+          <a:ln>
+            <a:noFill/>
+          </a:ln>
+        </p:spPr>
+        <p:style>
+          <a:lnRef idx="2">
+            <a:schemeClr val="accent1">
+              <a:shade val="15000"/>
+            </a:schemeClr>
+          </a:lnRef>
+          <a:fillRef idx="1">
+            <a:schemeClr val="accent1"/>
+          </a:fillRef>
+          <a:effectRef idx="0">
+            <a:schemeClr val="accent1"/>
+          </a:effectRef>
+          <a:fontRef idx="minor">
+            <a:schemeClr val="lt1"/>
+          </a:fontRef>
+        </p:style>
+        <p:txBody>
+          <a:bodyPr rtlCol="0" anchor="ctr"/>
+          <a:lstStyle/>
+          <a:p>
+            <a:pPr algn="ctr"/>
+            <a:endParaRPr lang="pt-BR" sz="1200" dirty="0">
+              <a:solidFill>
+                <a:schemeClr val="bg1"/>
+              </a:solidFill>
+              <a:latin typeface="Consolas" panose="020B0609020204030204" pitchFamily="49" charset="0"/>
+            </a:endParaRPr>
+          </a:p>
+        </p:txBody>
+      </p:sp>
+      <p:sp>
+        <p:nvSpPr>
+          <p:cNvPr id="13" name="CaixaDeTexto 12">
+            <a:extLst>
+              <a:ext uri="{FF2B5EF4-FFF2-40B4-BE49-F238E27FC236}">
+                <a16:creationId xmlns:a16="http://schemas.microsoft.com/office/drawing/2014/main" id="{85D16EC2-4843-9670-F9A5-3D495911CA4E}"/>
+              </a:ext>
+            </a:extLst>
+          </p:cNvPr>
+          <p:cNvSpPr txBox="1"/>
+          <p:nvPr/>
+        </p:nvSpPr>
+        <p:spPr>
+          <a:xfrm>
+            <a:off x="3188418" y="4423535"/>
+            <a:ext cx="1798890" cy="276999"/>
+          </a:xfrm>
+          <a:prstGeom prst="rect">
+            <a:avLst/>
+          </a:prstGeom>
+          <a:noFill/>
+        </p:spPr>
+        <p:txBody>
+          <a:bodyPr wrap="none" rtlCol="0">
+            <a:spAutoFit/>
+          </a:bodyPr>
+          <a:lstStyle/>
+          <a:p>
+            <a:pPr algn="r"/>
+            <a:r>
+              <a:rPr lang="pt-BR" sz="1200" dirty="0">
+                <a:solidFill>
+                  <a:schemeClr val="bg1"/>
+                </a:solidFill>
+                <a:latin typeface="Consolas" panose="020B0609020204030204" pitchFamily="49" charset="0"/>
+              </a:rPr>
+              <a:t>-0.5f, -0.5f,  0.5f</a:t>
+            </a:r>
+          </a:p>
+        </p:txBody>
+      </p:sp>
+      <p:sp>
+        <p:nvSpPr>
+          <p:cNvPr id="14" name="CaixaDeTexto 13">
+            <a:extLst>
+              <a:ext uri="{FF2B5EF4-FFF2-40B4-BE49-F238E27FC236}">
+                <a16:creationId xmlns:a16="http://schemas.microsoft.com/office/drawing/2014/main" id="{10F60863-46AD-9A7E-3E2C-A41B4527D535}"/>
+              </a:ext>
+            </a:extLst>
+          </p:cNvPr>
+          <p:cNvSpPr txBox="1"/>
+          <p:nvPr/>
+        </p:nvSpPr>
+        <p:spPr>
+          <a:xfrm>
+            <a:off x="7150060" y="4763330"/>
+            <a:ext cx="1798890" cy="276999"/>
+          </a:xfrm>
+          <a:prstGeom prst="rect">
+            <a:avLst/>
+          </a:prstGeom>
+          <a:noFill/>
+        </p:spPr>
+        <p:txBody>
+          <a:bodyPr wrap="none" rtlCol="0">
+            <a:spAutoFit/>
+          </a:bodyPr>
+          <a:lstStyle/>
+          <a:p>
+            <a:r>
+              <a:rPr lang="pt-BR" sz="1200" dirty="0">
+                <a:solidFill>
+                  <a:schemeClr val="bg1"/>
+                </a:solidFill>
+                <a:latin typeface="Consolas" panose="020B0609020204030204" pitchFamily="49" charset="0"/>
+              </a:rPr>
+              <a:t> 0.5f, -0.5f,  0.5f</a:t>
+            </a:r>
+          </a:p>
+        </p:txBody>
+      </p:sp>
+      <p:sp>
+        <p:nvSpPr>
+          <p:cNvPr id="15" name="CaixaDeTexto 14">
+            <a:extLst>
+              <a:ext uri="{FF2B5EF4-FFF2-40B4-BE49-F238E27FC236}">
+                <a16:creationId xmlns:a16="http://schemas.microsoft.com/office/drawing/2014/main" id="{F9A8FD89-9A85-BB34-FE21-75FF253583DF}"/>
+              </a:ext>
+            </a:extLst>
+          </p:cNvPr>
+          <p:cNvSpPr txBox="1"/>
+          <p:nvPr/>
+        </p:nvSpPr>
+        <p:spPr>
+          <a:xfrm>
+            <a:off x="7175074" y="2224163"/>
+            <a:ext cx="1798890" cy="276999"/>
+          </a:xfrm>
+          <a:prstGeom prst="rect">
+            <a:avLst/>
+          </a:prstGeom>
+          <a:noFill/>
+        </p:spPr>
+        <p:txBody>
+          <a:bodyPr wrap="none" rtlCol="0">
+            <a:spAutoFit/>
+          </a:bodyPr>
+          <a:lstStyle/>
+          <a:p>
+            <a:r>
+              <a:rPr lang="pt-BR" sz="1200" dirty="0">
+                <a:solidFill>
+                  <a:schemeClr val="bg1"/>
+                </a:solidFill>
+                <a:latin typeface="Consolas" panose="020B0609020204030204" pitchFamily="49" charset="0"/>
+              </a:rPr>
+              <a:t> 0.5f,  0.5f,  0.5f</a:t>
+            </a:r>
+          </a:p>
+        </p:txBody>
+      </p:sp>
+      <p:sp>
+        <p:nvSpPr>
+          <p:cNvPr id="16" name="CaixaDeTexto 15">
+            <a:extLst>
+              <a:ext uri="{FF2B5EF4-FFF2-40B4-BE49-F238E27FC236}">
+                <a16:creationId xmlns:a16="http://schemas.microsoft.com/office/drawing/2014/main" id="{DF0E22A0-7B70-7445-423F-910BB5CA7932}"/>
+              </a:ext>
+            </a:extLst>
+          </p:cNvPr>
+          <p:cNvSpPr txBox="1"/>
+          <p:nvPr/>
+        </p:nvSpPr>
+        <p:spPr>
+          <a:xfrm>
+            <a:off x="3249280" y="1897416"/>
+            <a:ext cx="1798890" cy="276999"/>
+          </a:xfrm>
+          <a:prstGeom prst="rect">
+            <a:avLst/>
+          </a:prstGeom>
+          <a:noFill/>
+        </p:spPr>
+        <p:txBody>
+          <a:bodyPr wrap="none" rtlCol="0">
+            <a:spAutoFit/>
+          </a:bodyPr>
+          <a:lstStyle/>
+          <a:p>
+            <a:pPr algn="r"/>
+            <a:r>
+              <a:rPr lang="pt-BR" sz="1200" dirty="0">
+                <a:solidFill>
+                  <a:schemeClr val="bg1"/>
+                </a:solidFill>
+                <a:latin typeface="Consolas" panose="020B0609020204030204" pitchFamily="49" charset="0"/>
+              </a:rPr>
+              <a:t>-0.5f,  0.5f,  0.5f</a:t>
+            </a:r>
+          </a:p>
+        </p:txBody>
+      </p:sp>
+      <p:sp>
+        <p:nvSpPr>
+          <p:cNvPr id="17" name="CaixaDeTexto 16">
+            <a:extLst>
+              <a:ext uri="{FF2B5EF4-FFF2-40B4-BE49-F238E27FC236}">
+                <a16:creationId xmlns:a16="http://schemas.microsoft.com/office/drawing/2014/main" id="{FD105954-147C-E241-555A-B0AAB2642705}"/>
+              </a:ext>
+            </a:extLst>
+          </p:cNvPr>
+          <p:cNvSpPr txBox="1"/>
+          <p:nvPr/>
+        </p:nvSpPr>
+        <p:spPr>
+          <a:xfrm>
+            <a:off x="8165102" y="4068770"/>
+            <a:ext cx="1798890" cy="276999"/>
+          </a:xfrm>
+          <a:prstGeom prst="rect">
+            <a:avLst/>
+          </a:prstGeom>
+          <a:noFill/>
+        </p:spPr>
+        <p:txBody>
+          <a:bodyPr wrap="none" rtlCol="0">
+            <a:spAutoFit/>
+          </a:bodyPr>
+          <a:lstStyle/>
+          <a:p>
+            <a:r>
+              <a:rPr lang="pt-BR" sz="1200" dirty="0">
+                <a:solidFill>
+                  <a:schemeClr val="bg1"/>
+                </a:solidFill>
+                <a:latin typeface="Consolas" panose="020B0609020204030204" pitchFamily="49" charset="0"/>
+              </a:rPr>
+              <a:t> 0.5f, -0.5f, -0.5f</a:t>
+            </a:r>
+          </a:p>
+        </p:txBody>
+      </p:sp>
+      <p:sp>
+        <p:nvSpPr>
+          <p:cNvPr id="18" name="CaixaDeTexto 17">
+            <a:extLst>
+              <a:ext uri="{FF2B5EF4-FFF2-40B4-BE49-F238E27FC236}">
+                <a16:creationId xmlns:a16="http://schemas.microsoft.com/office/drawing/2014/main" id="{55F263C9-A791-2926-3BD2-B45FCAC6AE8D}"/>
+              </a:ext>
+            </a:extLst>
+          </p:cNvPr>
+          <p:cNvSpPr txBox="1"/>
+          <p:nvPr/>
+        </p:nvSpPr>
+        <p:spPr>
+          <a:xfrm>
+            <a:off x="8190116" y="1529603"/>
+            <a:ext cx="1798890" cy="276999"/>
+          </a:xfrm>
+          <a:prstGeom prst="rect">
+            <a:avLst/>
+          </a:prstGeom>
+          <a:noFill/>
+        </p:spPr>
+        <p:txBody>
+          <a:bodyPr wrap="none" rtlCol="0">
+            <a:spAutoFit/>
+          </a:bodyPr>
+          <a:lstStyle/>
+          <a:p>
+            <a:r>
+              <a:rPr lang="pt-BR" sz="1200" dirty="0">
+                <a:solidFill>
+                  <a:schemeClr val="bg1"/>
+                </a:solidFill>
+                <a:latin typeface="Consolas" panose="020B0609020204030204" pitchFamily="49" charset="0"/>
+              </a:rPr>
+              <a:t> 0.5f,  0.5f, -0.5f</a:t>
+            </a:r>
+          </a:p>
+        </p:txBody>
+      </p:sp>
+      <p:sp>
+        <p:nvSpPr>
+          <p:cNvPr id="19" name="CaixaDeTexto 18">
+            <a:extLst>
+              <a:ext uri="{FF2B5EF4-FFF2-40B4-BE49-F238E27FC236}">
+                <a16:creationId xmlns:a16="http://schemas.microsoft.com/office/drawing/2014/main" id="{47836895-6876-15F1-5AD6-71B41A36DE14}"/>
+              </a:ext>
+            </a:extLst>
+          </p:cNvPr>
+          <p:cNvSpPr txBox="1"/>
+          <p:nvPr/>
+        </p:nvSpPr>
+        <p:spPr>
+          <a:xfrm>
+            <a:off x="4264322" y="1202856"/>
+            <a:ext cx="1798890" cy="276999"/>
+          </a:xfrm>
+          <a:prstGeom prst="rect">
+            <a:avLst/>
+          </a:prstGeom>
+          <a:noFill/>
+        </p:spPr>
+        <p:txBody>
+          <a:bodyPr wrap="none" rtlCol="0">
+            <a:spAutoFit/>
+          </a:bodyPr>
+          <a:lstStyle/>
+          <a:p>
+            <a:pPr algn="r"/>
+            <a:r>
+              <a:rPr lang="pt-BR" sz="1200" dirty="0">
+                <a:solidFill>
+                  <a:schemeClr val="bg1"/>
+                </a:solidFill>
+                <a:latin typeface="Consolas" panose="020B0609020204030204" pitchFamily="49" charset="0"/>
+              </a:rPr>
+              <a:t>-0.5f,  0.5f, -0.5f</a:t>
+            </a:r>
+          </a:p>
+        </p:txBody>
+      </p:sp>
+      <p:sp>
+        <p:nvSpPr>
+          <p:cNvPr id="20" name="CaixaDeTexto 19">
+            <a:extLst>
+              <a:ext uri="{FF2B5EF4-FFF2-40B4-BE49-F238E27FC236}">
+                <a16:creationId xmlns:a16="http://schemas.microsoft.com/office/drawing/2014/main" id="{5A626D6E-6638-8A17-DBFE-D133A8E62F83}"/>
+              </a:ext>
+            </a:extLst>
+          </p:cNvPr>
+          <p:cNvSpPr txBox="1"/>
+          <p:nvPr/>
+        </p:nvSpPr>
+        <p:spPr>
+          <a:xfrm>
+            <a:off x="0" y="0"/>
+            <a:ext cx="1877437" cy="6863417"/>
+          </a:xfrm>
+          <a:prstGeom prst="rect">
+            <a:avLst/>
+          </a:prstGeom>
+          <a:noFill/>
+        </p:spPr>
+        <p:txBody>
+          <a:bodyPr wrap="none" rtlCol="0">
+            <a:spAutoFit/>
+          </a:bodyPr>
+          <a:lstStyle/>
+          <a:p>
+            <a:r>
+              <a:rPr lang="pt-BR" sz="1000" dirty="0" err="1">
+                <a:solidFill>
+                  <a:schemeClr val="bg1"/>
+                </a:solidFill>
+                <a:latin typeface="Consolas" panose="020B0609020204030204" pitchFamily="49" charset="0"/>
+              </a:rPr>
+              <a:t>float</a:t>
+            </a:r>
+            <a:r>
+              <a:rPr lang="pt-BR" sz="1000" dirty="0">
+                <a:solidFill>
+                  <a:schemeClr val="bg1"/>
+                </a:solidFill>
+                <a:latin typeface="Consolas" panose="020B0609020204030204" pitchFamily="49" charset="0"/>
+              </a:rPr>
+              <a:t>[] </a:t>
+            </a:r>
+            <a:r>
+              <a:rPr lang="pt-BR" sz="1000" dirty="0" err="1">
+                <a:solidFill>
+                  <a:schemeClr val="bg1"/>
+                </a:solidFill>
+                <a:latin typeface="Consolas" panose="020B0609020204030204" pitchFamily="49" charset="0"/>
+              </a:rPr>
+              <a:t>vertices</a:t>
+            </a:r>
+            <a:r>
+              <a:rPr lang="pt-BR" sz="1000" dirty="0">
+                <a:solidFill>
+                  <a:schemeClr val="bg1"/>
+                </a:solidFill>
+                <a:latin typeface="Consolas" panose="020B0609020204030204" pitchFamily="49" charset="0"/>
+              </a:rPr>
+              <a:t> = </a:t>
+            </a:r>
+            <a:br>
+              <a:rPr lang="pt-BR" sz="1000" dirty="0">
+                <a:solidFill>
+                  <a:schemeClr val="bg1"/>
+                </a:solidFill>
+                <a:latin typeface="Consolas" panose="020B0609020204030204" pitchFamily="49" charset="0"/>
+              </a:rPr>
+            </a:br>
+            <a:r>
+              <a:rPr lang="pt-BR" sz="1000" dirty="0">
+                <a:solidFill>
+                  <a:schemeClr val="bg1"/>
+                </a:solidFill>
+                <a:latin typeface="Consolas" panose="020B0609020204030204" pitchFamily="49" charset="0"/>
+              </a:rPr>
+              <a:t>{</a:t>
+            </a:r>
+            <a:br>
+              <a:rPr lang="pt-BR" sz="1000" dirty="0">
+                <a:solidFill>
+                  <a:schemeClr val="bg1"/>
+                </a:solidFill>
+                <a:latin typeface="Consolas" panose="020B0609020204030204" pitchFamily="49" charset="0"/>
+              </a:rPr>
+            </a:br>
+            <a:r>
+              <a:rPr lang="pt-BR" sz="1000" dirty="0">
+                <a:solidFill>
+                  <a:schemeClr val="bg1"/>
+                </a:solidFill>
+                <a:latin typeface="Consolas" panose="020B0609020204030204" pitchFamily="49" charset="0"/>
+              </a:rPr>
+              <a:t>    -0.5f, -0.5f, -0.5f,</a:t>
+            </a:r>
+          </a:p>
+          <a:p>
+            <a:r>
+              <a:rPr lang="pt-BR" sz="1000" dirty="0">
+                <a:solidFill>
+                  <a:schemeClr val="bg1"/>
+                </a:solidFill>
+                <a:latin typeface="Consolas" panose="020B0609020204030204" pitchFamily="49" charset="0"/>
+              </a:rPr>
+              <a:t>    -0.5f, -0.5f,  0.5f,</a:t>
+            </a:r>
+          </a:p>
+          <a:p>
+            <a:r>
+              <a:rPr lang="pt-BR" sz="1000" dirty="0">
+                <a:solidFill>
+                  <a:schemeClr val="bg1"/>
+                </a:solidFill>
+                <a:latin typeface="Consolas" panose="020B0609020204030204" pitchFamily="49" charset="0"/>
+              </a:rPr>
+              <a:t>    -0.5f,  0.5f,  0.5f,</a:t>
+            </a:r>
+          </a:p>
+          <a:p>
+            <a:r>
+              <a:rPr lang="pt-BR" sz="1000" dirty="0">
+                <a:solidFill>
+                  <a:schemeClr val="bg1"/>
+                </a:solidFill>
+                <a:latin typeface="Consolas" panose="020B0609020204030204" pitchFamily="49" charset="0"/>
+              </a:rPr>
+              <a:t>    -0.5f, -0.5f, -0.5f,</a:t>
+            </a:r>
+          </a:p>
+          <a:p>
+            <a:r>
+              <a:rPr lang="pt-BR" sz="1000" dirty="0">
+                <a:solidFill>
+                  <a:schemeClr val="bg1"/>
+                </a:solidFill>
+                <a:latin typeface="Consolas" panose="020B0609020204030204" pitchFamily="49" charset="0"/>
+              </a:rPr>
+              <a:t>    -0.5f,  0.5f,  0.5f,</a:t>
+            </a:r>
+          </a:p>
+          <a:p>
+            <a:r>
+              <a:rPr lang="pt-BR" sz="1000" dirty="0">
+                <a:solidFill>
+                  <a:schemeClr val="bg1"/>
+                </a:solidFill>
+                <a:latin typeface="Consolas" panose="020B0609020204030204" pitchFamily="49" charset="0"/>
+              </a:rPr>
+              <a:t>    -0.5f,  0.5f, -0.5f,</a:t>
+            </a:r>
+            <a:br>
+              <a:rPr lang="pt-BR" sz="1000" dirty="0">
+                <a:solidFill>
+                  <a:schemeClr val="bg1"/>
+                </a:solidFill>
+                <a:latin typeface="Consolas" panose="020B0609020204030204" pitchFamily="49" charset="0"/>
+              </a:rPr>
+            </a:br>
+            <a:br>
+              <a:rPr lang="pt-BR" sz="1000" dirty="0">
+                <a:solidFill>
+                  <a:schemeClr val="bg1"/>
+                </a:solidFill>
+                <a:latin typeface="Consolas" panose="020B0609020204030204" pitchFamily="49" charset="0"/>
+              </a:rPr>
+            </a:br>
+            <a:r>
+              <a:rPr lang="pt-BR" sz="1000" dirty="0">
+                <a:solidFill>
+                  <a:schemeClr val="bg1"/>
+                </a:solidFill>
+                <a:latin typeface="Consolas" panose="020B0609020204030204" pitchFamily="49" charset="0"/>
+              </a:rPr>
+              <a:t>     0.5f, -0.5f,  0.5f,</a:t>
+            </a:r>
+          </a:p>
+          <a:p>
+            <a:r>
+              <a:rPr lang="pt-BR" sz="1000" dirty="0">
+                <a:solidFill>
+                  <a:schemeClr val="bg1"/>
+                </a:solidFill>
+                <a:latin typeface="Consolas" panose="020B0609020204030204" pitchFamily="49" charset="0"/>
+              </a:rPr>
+              <a:t>     0.5f, -0.5f, -0.5f,</a:t>
+            </a:r>
+          </a:p>
+          <a:p>
+            <a:r>
+              <a:rPr lang="pt-BR" sz="1000" dirty="0">
+                <a:solidFill>
+                  <a:schemeClr val="bg1"/>
+                </a:solidFill>
+                <a:latin typeface="Consolas" panose="020B0609020204030204" pitchFamily="49" charset="0"/>
+              </a:rPr>
+              <a:t>     0.5f,  0.5f, -0.5f,</a:t>
+            </a:r>
+          </a:p>
+          <a:p>
+            <a:r>
+              <a:rPr lang="pt-BR" sz="1000" dirty="0">
+                <a:solidFill>
+                  <a:schemeClr val="bg1"/>
+                </a:solidFill>
+                <a:latin typeface="Consolas" panose="020B0609020204030204" pitchFamily="49" charset="0"/>
+              </a:rPr>
+              <a:t>     0.5f, -0.5f,  0.5f,</a:t>
+            </a:r>
+          </a:p>
+          <a:p>
+            <a:r>
+              <a:rPr lang="pt-BR" sz="1000" dirty="0">
+                <a:solidFill>
+                  <a:schemeClr val="bg1"/>
+                </a:solidFill>
+                <a:latin typeface="Consolas" panose="020B0609020204030204" pitchFamily="49" charset="0"/>
+              </a:rPr>
+              <a:t>     0.5f,  0.5f, -0.5f,</a:t>
+            </a:r>
+          </a:p>
+          <a:p>
+            <a:r>
+              <a:rPr lang="pt-BR" sz="1000" dirty="0">
+                <a:solidFill>
+                  <a:schemeClr val="bg1"/>
+                </a:solidFill>
+                <a:latin typeface="Consolas" panose="020B0609020204030204" pitchFamily="49" charset="0"/>
+              </a:rPr>
+              <a:t>     0.5f,  0.5f,  0.5f,</a:t>
+            </a:r>
+          </a:p>
+          <a:p>
+            <a:endParaRPr lang="pt-BR" sz="1000" dirty="0">
+              <a:solidFill>
+                <a:schemeClr val="bg1"/>
+              </a:solidFill>
+              <a:latin typeface="Consolas" panose="020B0609020204030204" pitchFamily="49" charset="0"/>
+            </a:endParaRPr>
+          </a:p>
+          <a:p>
+            <a:r>
+              <a:rPr lang="pt-BR" sz="1000" dirty="0">
+                <a:solidFill>
+                  <a:schemeClr val="bg1"/>
+                </a:solidFill>
+                <a:latin typeface="Consolas" panose="020B0609020204030204" pitchFamily="49" charset="0"/>
+              </a:rPr>
+              <a:t>    -0.5f, -0.5f, -0.5f,</a:t>
+            </a:r>
+          </a:p>
+          <a:p>
+            <a:r>
+              <a:rPr lang="pt-BR" sz="1000" dirty="0">
+                <a:solidFill>
+                  <a:schemeClr val="bg1"/>
+                </a:solidFill>
+                <a:latin typeface="Consolas" panose="020B0609020204030204" pitchFamily="49" charset="0"/>
+              </a:rPr>
+              <a:t>     0.5f, -0.5f, -0.5f,</a:t>
+            </a:r>
+          </a:p>
+          <a:p>
+            <a:r>
+              <a:rPr lang="pt-BR" sz="1000" dirty="0">
+                <a:solidFill>
+                  <a:schemeClr val="bg1"/>
+                </a:solidFill>
+                <a:latin typeface="Consolas" panose="020B0609020204030204" pitchFamily="49" charset="0"/>
+              </a:rPr>
+              <a:t>     0.5f, -0.5f,  0.5f,</a:t>
+            </a:r>
+          </a:p>
+          <a:p>
+            <a:r>
+              <a:rPr lang="pt-BR" sz="1000" dirty="0">
+                <a:solidFill>
+                  <a:schemeClr val="bg1"/>
+                </a:solidFill>
+                <a:latin typeface="Consolas" panose="020B0609020204030204" pitchFamily="49" charset="0"/>
+              </a:rPr>
+              <a:t>    -0.5f, -0.5f, -0.5f,</a:t>
+            </a:r>
+          </a:p>
+          <a:p>
+            <a:r>
+              <a:rPr lang="pt-BR" sz="1000" dirty="0">
+                <a:solidFill>
+                  <a:schemeClr val="bg1"/>
+                </a:solidFill>
+                <a:latin typeface="Consolas" panose="020B0609020204030204" pitchFamily="49" charset="0"/>
+              </a:rPr>
+              <a:t>     0.5f, -0.5f,  0.5f,</a:t>
+            </a:r>
+          </a:p>
+          <a:p>
+            <a:r>
+              <a:rPr lang="pt-BR" sz="1000" dirty="0">
+                <a:solidFill>
+                  <a:schemeClr val="bg1"/>
+                </a:solidFill>
+                <a:latin typeface="Consolas" panose="020B0609020204030204" pitchFamily="49" charset="0"/>
+              </a:rPr>
+              <a:t>    -0.5f, -0.5f,  0.5f,</a:t>
+            </a:r>
+          </a:p>
+          <a:p>
+            <a:endParaRPr lang="pt-BR" sz="1000" dirty="0">
+              <a:solidFill>
+                <a:schemeClr val="bg1"/>
+              </a:solidFill>
+              <a:latin typeface="Consolas" panose="020B0609020204030204" pitchFamily="49" charset="0"/>
+            </a:endParaRPr>
+          </a:p>
+          <a:p>
+            <a:r>
+              <a:rPr lang="pt-BR" sz="1000" dirty="0">
+                <a:solidFill>
+                  <a:schemeClr val="bg1"/>
+                </a:solidFill>
+                <a:latin typeface="Consolas" panose="020B0609020204030204" pitchFamily="49" charset="0"/>
+              </a:rPr>
+              <a:t>    -0.5f,  0.5f,  0.5f,</a:t>
+            </a:r>
+          </a:p>
+          <a:p>
+            <a:r>
+              <a:rPr lang="pt-BR" sz="1000" dirty="0">
+                <a:solidFill>
+                  <a:schemeClr val="bg1"/>
+                </a:solidFill>
+                <a:latin typeface="Consolas" panose="020B0609020204030204" pitchFamily="49" charset="0"/>
+              </a:rPr>
+              <a:t>     0.5f,  0.5f,  0.5f,</a:t>
+            </a:r>
+          </a:p>
+          <a:p>
+            <a:r>
+              <a:rPr lang="pt-BR" sz="1000" dirty="0">
+                <a:solidFill>
+                  <a:schemeClr val="bg1"/>
+                </a:solidFill>
+                <a:latin typeface="Consolas" panose="020B0609020204030204" pitchFamily="49" charset="0"/>
+              </a:rPr>
+              <a:t>     0.5f,  0.5f, -0.5f,</a:t>
+            </a:r>
+          </a:p>
+          <a:p>
+            <a:r>
+              <a:rPr lang="pt-BR" sz="1000" dirty="0">
+                <a:solidFill>
+                  <a:schemeClr val="bg1"/>
+                </a:solidFill>
+                <a:latin typeface="Consolas" panose="020B0609020204030204" pitchFamily="49" charset="0"/>
+              </a:rPr>
+              <a:t>    -0.5f,  0.5f,  0.5f,</a:t>
+            </a:r>
+          </a:p>
+          <a:p>
+            <a:r>
+              <a:rPr lang="pt-BR" sz="1000" dirty="0">
+                <a:solidFill>
+                  <a:schemeClr val="bg1"/>
+                </a:solidFill>
+                <a:latin typeface="Consolas" panose="020B0609020204030204" pitchFamily="49" charset="0"/>
+              </a:rPr>
+              <a:t>     0.5f,  0.5f, -0.5f,</a:t>
+            </a:r>
+          </a:p>
+          <a:p>
+            <a:r>
+              <a:rPr lang="pt-BR" sz="1000" dirty="0">
+                <a:solidFill>
+                  <a:schemeClr val="bg1"/>
+                </a:solidFill>
+                <a:latin typeface="Consolas" panose="020B0609020204030204" pitchFamily="49" charset="0"/>
+              </a:rPr>
+              <a:t>    -0.5f,  0.5f, -0.5f,</a:t>
+            </a:r>
+          </a:p>
+          <a:p>
+            <a:endParaRPr lang="pt-BR" sz="1000" dirty="0">
+              <a:solidFill>
+                <a:schemeClr val="bg1"/>
+              </a:solidFill>
+              <a:latin typeface="Consolas" panose="020B0609020204030204" pitchFamily="49" charset="0"/>
+            </a:endParaRPr>
+          </a:p>
+          <a:p>
+            <a:r>
+              <a:rPr lang="pt-BR" sz="1000" dirty="0">
+                <a:solidFill>
+                  <a:schemeClr val="bg1"/>
+                </a:solidFill>
+                <a:latin typeface="Consolas" panose="020B0609020204030204" pitchFamily="49" charset="0"/>
+              </a:rPr>
+              <a:t>     0.5f, -0.5f, -0.5f,</a:t>
+            </a:r>
+          </a:p>
+          <a:p>
+            <a:r>
+              <a:rPr lang="pt-BR" sz="1000" dirty="0">
+                <a:solidFill>
+                  <a:schemeClr val="bg1"/>
+                </a:solidFill>
+                <a:latin typeface="Consolas" panose="020B0609020204030204" pitchFamily="49" charset="0"/>
+              </a:rPr>
+              <a:t>    -0.5f, -0.5f, -0.5f,</a:t>
+            </a:r>
+          </a:p>
+          <a:p>
+            <a:r>
+              <a:rPr lang="pt-BR" sz="1000" dirty="0">
+                <a:solidFill>
+                  <a:schemeClr val="bg1"/>
+                </a:solidFill>
+                <a:latin typeface="Consolas" panose="020B0609020204030204" pitchFamily="49" charset="0"/>
+              </a:rPr>
+              <a:t>    -0.5f,  0.5f, -0.5f,</a:t>
+            </a:r>
+          </a:p>
+          <a:p>
+            <a:r>
+              <a:rPr lang="pt-BR" sz="1000" dirty="0">
+                <a:solidFill>
+                  <a:schemeClr val="bg1"/>
+                </a:solidFill>
+                <a:latin typeface="Consolas" panose="020B0609020204030204" pitchFamily="49" charset="0"/>
+              </a:rPr>
+              <a:t>     0.5f, -0.5f, -0.5f,</a:t>
+            </a:r>
+          </a:p>
+          <a:p>
+            <a:r>
+              <a:rPr lang="pt-BR" sz="1000" dirty="0">
+                <a:solidFill>
+                  <a:schemeClr val="bg1"/>
+                </a:solidFill>
+                <a:latin typeface="Consolas" panose="020B0609020204030204" pitchFamily="49" charset="0"/>
+              </a:rPr>
+              <a:t>    -0.5f,  0.5f, -0.5f,</a:t>
+            </a:r>
+          </a:p>
+          <a:p>
+            <a:r>
+              <a:rPr lang="pt-BR" sz="1000" dirty="0">
+                <a:solidFill>
+                  <a:schemeClr val="bg1"/>
+                </a:solidFill>
+                <a:latin typeface="Consolas" panose="020B0609020204030204" pitchFamily="49" charset="0"/>
+              </a:rPr>
+              <a:t>     0.5f,  0.5f, -0.5f,</a:t>
+            </a:r>
+          </a:p>
+          <a:p>
+            <a:endParaRPr lang="pt-BR" sz="1000" dirty="0">
+              <a:solidFill>
+                <a:schemeClr val="bg1"/>
+              </a:solidFill>
+              <a:latin typeface="Consolas" panose="020B0609020204030204" pitchFamily="49" charset="0"/>
+            </a:endParaRPr>
+          </a:p>
+          <a:p>
+            <a:r>
+              <a:rPr lang="pt-BR" sz="1000" dirty="0">
+                <a:solidFill>
+                  <a:schemeClr val="bg1"/>
+                </a:solidFill>
+                <a:latin typeface="Consolas" panose="020B0609020204030204" pitchFamily="49" charset="0"/>
+              </a:rPr>
+              <a:t>    -0.5f, -0.5f,  0.5f,</a:t>
+            </a:r>
+          </a:p>
+          <a:p>
+            <a:r>
+              <a:rPr lang="pt-BR" sz="1000" dirty="0">
+                <a:solidFill>
+                  <a:schemeClr val="bg1"/>
+                </a:solidFill>
+                <a:latin typeface="Consolas" panose="020B0609020204030204" pitchFamily="49" charset="0"/>
+              </a:rPr>
+              <a:t>     0.5f, -0.5f,  0.5f,</a:t>
+            </a:r>
+          </a:p>
+          <a:p>
+            <a:r>
+              <a:rPr lang="pt-BR" sz="1000" dirty="0">
+                <a:solidFill>
+                  <a:schemeClr val="bg1"/>
+                </a:solidFill>
+                <a:latin typeface="Consolas" panose="020B0609020204030204" pitchFamily="49" charset="0"/>
+              </a:rPr>
+              <a:t>     0.5f,  0.5f,  0.5f,</a:t>
+            </a:r>
+          </a:p>
+          <a:p>
+            <a:r>
+              <a:rPr lang="pt-BR" sz="1000" dirty="0">
+                <a:solidFill>
+                  <a:schemeClr val="bg1"/>
+                </a:solidFill>
+                <a:latin typeface="Consolas" panose="020B0609020204030204" pitchFamily="49" charset="0"/>
+              </a:rPr>
+              <a:t>    -0.5f, -0.5f,  0.5f,</a:t>
+            </a:r>
+          </a:p>
+          <a:p>
+            <a:r>
+              <a:rPr lang="pt-BR" sz="1000" dirty="0">
+                <a:solidFill>
+                  <a:schemeClr val="bg1"/>
+                </a:solidFill>
+                <a:latin typeface="Consolas" panose="020B0609020204030204" pitchFamily="49" charset="0"/>
+              </a:rPr>
+              <a:t>     0.5f,  0.5f,  0.5f,</a:t>
+            </a:r>
+          </a:p>
+          <a:p>
+            <a:r>
+              <a:rPr lang="pt-BR" sz="1000" dirty="0">
+                <a:solidFill>
+                  <a:schemeClr val="bg1"/>
+                </a:solidFill>
+                <a:latin typeface="Consolas" panose="020B0609020204030204" pitchFamily="49" charset="0"/>
+              </a:rPr>
+              <a:t>    -0.5f,  0.5f,  0.5f</a:t>
+            </a:r>
+            <a:br>
+              <a:rPr lang="pt-BR" sz="1000" dirty="0">
+                <a:solidFill>
+                  <a:schemeClr val="bg1"/>
+                </a:solidFill>
+                <a:latin typeface="Consolas" panose="020B0609020204030204" pitchFamily="49" charset="0"/>
+              </a:rPr>
+            </a:br>
+            <a:r>
+              <a:rPr lang="pt-BR" sz="1000" dirty="0">
+                <a:solidFill>
+                  <a:schemeClr val="bg1"/>
+                </a:solidFill>
+                <a:latin typeface="Consolas" panose="020B0609020204030204" pitchFamily="49" charset="0"/>
+              </a:rPr>
+              <a:t>}</a:t>
+            </a:r>
+          </a:p>
+        </p:txBody>
+      </p:sp>
+    </p:spTree>
+    <p:extLst>
+      <p:ext uri="{BB962C8B-B14F-4D97-AF65-F5344CB8AC3E}">
+        <p14:creationId xmlns:p14="http://schemas.microsoft.com/office/powerpoint/2010/main" val="4244122285"/>
+      </p:ext>
+    </p:extLst>
+  </p:cSld>
+  <p:clrMapOvr>
+    <a:masterClrMapping/>
+  </p:clrMapOvr>
+</p:sld>
+</file>
+
+<file path=ppt/slides/slide14.xml><?xml version="1.0" encoding="utf-8"?>
+<p:sld xmlns:a="http://schemas.openxmlformats.org/drawingml/2006/main" xmlns:r="http://schemas.openxmlformats.org/officeDocument/2006/relationships" xmlns:p="http://schemas.openxmlformats.org/presentationml/2006/main">
+  <p:cSld>
+    <p:spTree>
+      <p:nvGrpSpPr>
+        <p:cNvPr id="1" name=""/>
+        <p:cNvGrpSpPr/>
+        <p:nvPr/>
+      </p:nvGrpSpPr>
+      <p:grpSpPr>
+        <a:xfrm>
+          <a:off x="0" y="0"/>
+          <a:ext cx="0" cy="0"/>
+          <a:chOff x="0" y="0"/>
+          <a:chExt cx="0" cy="0"/>
+        </a:xfrm>
+      </p:grpSpPr>
+      <p:sp>
+        <p:nvSpPr>
+          <p:cNvPr id="2" name="Retângulo 1">
+            <a:extLst>
+              <a:ext uri="{FF2B5EF4-FFF2-40B4-BE49-F238E27FC236}">
+                <a16:creationId xmlns:a16="http://schemas.microsoft.com/office/drawing/2014/main" id="{126CEC46-28DC-DF47-3140-CE0F08354E79}"/>
+              </a:ext>
+            </a:extLst>
+          </p:cNvPr>
+          <p:cNvSpPr/>
+          <p:nvPr/>
+        </p:nvSpPr>
+        <p:spPr>
+          <a:xfrm>
+            <a:off x="0" y="0"/>
+            <a:ext cx="12192000" cy="6858000"/>
+          </a:xfrm>
+          <a:prstGeom prst="rect">
+            <a:avLst/>
+          </a:prstGeom>
+          <a:solidFill>
+            <a:schemeClr val="tx1">
+              <a:lumMod val="95000"/>
+              <a:lumOff val="5000"/>
+            </a:schemeClr>
+          </a:solidFill>
+          <a:ln>
+            <a:noFill/>
+          </a:ln>
+        </p:spPr>
+        <p:style>
+          <a:lnRef idx="2">
+            <a:schemeClr val="accent1">
+              <a:shade val="15000"/>
+            </a:schemeClr>
+          </a:lnRef>
+          <a:fillRef idx="1">
+            <a:schemeClr val="accent1"/>
+          </a:fillRef>
+          <a:effectRef idx="0">
+            <a:schemeClr val="accent1"/>
+          </a:effectRef>
+          <a:fontRef idx="minor">
+            <a:schemeClr val="lt1"/>
+          </a:fontRef>
+        </p:style>
+        <p:txBody>
+          <a:bodyPr rtlCol="0" anchor="ctr"/>
+          <a:lstStyle/>
+          <a:p>
+            <a:pPr algn="ctr"/>
+            <a:endParaRPr lang="pt-BR" dirty="0"/>
+          </a:p>
+        </p:txBody>
+      </p:sp>
+      <p:pic>
+        <p:nvPicPr>
+          <p:cNvPr id="4" name="Imagem 3">
+            <a:extLst>
+              <a:ext uri="{FF2B5EF4-FFF2-40B4-BE49-F238E27FC236}">
+                <a16:creationId xmlns:a16="http://schemas.microsoft.com/office/drawing/2014/main" id="{D8D6F4DA-B266-4955-EC67-23DB1946B852}"/>
+              </a:ext>
+            </a:extLst>
+          </p:cNvPr>
+          <p:cNvPicPr>
+            <a:picLocks noChangeAspect="1"/>
+          </p:cNvPicPr>
+          <p:nvPr/>
+        </p:nvPicPr>
+        <p:blipFill>
+          <a:blip r:embed="rId2"/>
+          <a:stretch>
+            <a:fillRect/>
+          </a:stretch>
+        </p:blipFill>
+        <p:spPr>
+          <a:xfrm>
+            <a:off x="4943314" y="2276314"/>
+            <a:ext cx="2305372" cy="2305372"/>
+          </a:xfrm>
+          <a:prstGeom prst="rect">
+            <a:avLst/>
+          </a:prstGeom>
+          <a:scene3d>
+            <a:camera prst="isometricOffAxis2Left"/>
+            <a:lightRig rig="threePt" dir="t"/>
+          </a:scene3d>
+        </p:spPr>
+      </p:pic>
+      <p:pic>
+        <p:nvPicPr>
+          <p:cNvPr id="5" name="Imagem 4">
+            <a:extLst>
+              <a:ext uri="{FF2B5EF4-FFF2-40B4-BE49-F238E27FC236}">
+                <a16:creationId xmlns:a16="http://schemas.microsoft.com/office/drawing/2014/main" id="{C398C755-F037-B166-8BAE-CC100405C75D}"/>
+              </a:ext>
+            </a:extLst>
+          </p:cNvPr>
+          <p:cNvPicPr>
+            <a:picLocks noChangeAspect="1"/>
+          </p:cNvPicPr>
+          <p:nvPr/>
+        </p:nvPicPr>
+        <p:blipFill>
+          <a:blip r:embed="rId2"/>
+          <a:stretch>
+            <a:fillRect/>
+          </a:stretch>
+        </p:blipFill>
+        <p:spPr>
+          <a:xfrm>
+            <a:off x="6493195" y="2118163"/>
+            <a:ext cx="2305372" cy="2305372"/>
+          </a:xfrm>
+          <a:prstGeom prst="rect">
+            <a:avLst/>
+          </a:prstGeom>
+          <a:scene3d>
+            <a:camera prst="isometricOffAxis2Right"/>
+            <a:lightRig rig="threePt" dir="t"/>
+          </a:scene3d>
+        </p:spPr>
+      </p:pic>
+      <p:pic>
+        <p:nvPicPr>
+          <p:cNvPr id="6" name="Imagem 5">
+            <a:extLst>
+              <a:ext uri="{FF2B5EF4-FFF2-40B4-BE49-F238E27FC236}">
+                <a16:creationId xmlns:a16="http://schemas.microsoft.com/office/drawing/2014/main" id="{C81FE4EF-7613-F351-2216-D81D98C7BE0E}"/>
+              </a:ext>
+            </a:extLst>
+          </p:cNvPr>
+          <p:cNvPicPr>
+            <a:picLocks noChangeAspect="1"/>
+          </p:cNvPicPr>
+          <p:nvPr/>
+        </p:nvPicPr>
+        <p:blipFill>
+          <a:blip r:embed="rId2"/>
+          <a:stretch>
+            <a:fillRect/>
+          </a:stretch>
+        </p:blipFill>
+        <p:spPr>
+          <a:xfrm>
+            <a:off x="5452840" y="859082"/>
+            <a:ext cx="2305372" cy="2305372"/>
+          </a:xfrm>
+          <a:prstGeom prst="rect">
+            <a:avLst/>
+          </a:prstGeom>
+          <a:scene3d>
+            <a:camera prst="isometricOffAxis2Top"/>
+            <a:lightRig rig="threePt" dir="t"/>
+          </a:scene3d>
+        </p:spPr>
+      </p:pic>
+      <p:sp>
+        <p:nvSpPr>
+          <p:cNvPr id="3" name="Elipse 2">
+            <a:extLst>
+              <a:ext uri="{FF2B5EF4-FFF2-40B4-BE49-F238E27FC236}">
+                <a16:creationId xmlns:a16="http://schemas.microsoft.com/office/drawing/2014/main" id="{95E0D2D1-5904-115F-6883-399566A13C82}"/>
+              </a:ext>
+            </a:extLst>
+          </p:cNvPr>
+          <p:cNvSpPr/>
+          <p:nvPr/>
+        </p:nvSpPr>
+        <p:spPr>
+          <a:xfrm>
+            <a:off x="4987308" y="2107239"/>
+            <a:ext cx="180000" cy="180000"/>
+          </a:xfrm>
+          <a:prstGeom prst="ellipse">
+            <a:avLst/>
+          </a:prstGeom>
+          <a:solidFill>
+            <a:srgbClr val="C00000"/>
+          </a:solidFill>
+          <a:ln>
+            <a:noFill/>
+          </a:ln>
+        </p:spPr>
+        <p:style>
+          <a:lnRef idx="2">
+            <a:schemeClr val="accent1">
+              <a:shade val="15000"/>
+            </a:schemeClr>
+          </a:lnRef>
+          <a:fillRef idx="1">
+            <a:schemeClr val="accent1"/>
+          </a:fillRef>
+          <a:effectRef idx="0">
+            <a:schemeClr val="accent1"/>
+          </a:effectRef>
+          <a:fontRef idx="minor">
+            <a:schemeClr val="lt1"/>
+          </a:fontRef>
+        </p:style>
+        <p:txBody>
+          <a:bodyPr rtlCol="0" anchor="ctr"/>
+          <a:lstStyle/>
+          <a:p>
+            <a:pPr algn="ctr"/>
+            <a:endParaRPr lang="pt-BR" sz="1200" dirty="0">
+              <a:solidFill>
+                <a:schemeClr val="bg1"/>
+              </a:solidFill>
+              <a:latin typeface="Consolas" panose="020B0609020204030204" pitchFamily="49" charset="0"/>
+            </a:endParaRPr>
+          </a:p>
+        </p:txBody>
+      </p:sp>
+      <p:sp>
+        <p:nvSpPr>
+          <p:cNvPr id="7" name="Elipse 6">
+            <a:extLst>
+              <a:ext uri="{FF2B5EF4-FFF2-40B4-BE49-F238E27FC236}">
+                <a16:creationId xmlns:a16="http://schemas.microsoft.com/office/drawing/2014/main" id="{E90B240D-51A6-751E-ACD5-E568B40CCA5B}"/>
+              </a:ext>
+            </a:extLst>
+          </p:cNvPr>
+          <p:cNvSpPr/>
+          <p:nvPr/>
+        </p:nvSpPr>
+        <p:spPr>
+          <a:xfrm>
+            <a:off x="4951940" y="4304478"/>
+            <a:ext cx="180000" cy="180000"/>
+          </a:xfrm>
+          <a:prstGeom prst="ellipse">
+            <a:avLst/>
+          </a:prstGeom>
+          <a:solidFill>
+            <a:srgbClr val="C00000"/>
+          </a:solidFill>
+          <a:ln>
+            <a:noFill/>
+          </a:ln>
+        </p:spPr>
+        <p:style>
+          <a:lnRef idx="2">
+            <a:schemeClr val="accent1">
+              <a:shade val="15000"/>
+            </a:schemeClr>
+          </a:lnRef>
+          <a:fillRef idx="1">
+            <a:schemeClr val="accent1"/>
+          </a:fillRef>
+          <a:effectRef idx="0">
+            <a:schemeClr val="accent1"/>
+          </a:effectRef>
+          <a:fontRef idx="minor">
+            <a:schemeClr val="lt1"/>
+          </a:fontRef>
+        </p:style>
+        <p:txBody>
+          <a:bodyPr rtlCol="0" anchor="ctr"/>
+          <a:lstStyle/>
+          <a:p>
+            <a:pPr algn="ctr"/>
+            <a:endParaRPr lang="pt-BR" sz="1200" dirty="0">
+              <a:solidFill>
+                <a:schemeClr val="bg1"/>
+              </a:solidFill>
+              <a:latin typeface="Consolas" panose="020B0609020204030204" pitchFamily="49" charset="0"/>
+            </a:endParaRPr>
+          </a:p>
+        </p:txBody>
+      </p:sp>
+      <p:sp>
+        <p:nvSpPr>
+          <p:cNvPr id="8" name="Elipse 7">
+            <a:extLst>
+              <a:ext uri="{FF2B5EF4-FFF2-40B4-BE49-F238E27FC236}">
+                <a16:creationId xmlns:a16="http://schemas.microsoft.com/office/drawing/2014/main" id="{29B71C79-D354-F193-C582-72646ADCFC35}"/>
+              </a:ext>
+            </a:extLst>
+          </p:cNvPr>
+          <p:cNvSpPr/>
+          <p:nvPr/>
+        </p:nvSpPr>
+        <p:spPr>
+          <a:xfrm>
+            <a:off x="7077312" y="2425375"/>
+            <a:ext cx="180000" cy="180000"/>
+          </a:xfrm>
+          <a:prstGeom prst="ellipse">
+            <a:avLst/>
+          </a:prstGeom>
+          <a:solidFill>
+            <a:srgbClr val="C00000"/>
+          </a:solidFill>
+          <a:ln>
+            <a:noFill/>
+          </a:ln>
+        </p:spPr>
+        <p:style>
+          <a:lnRef idx="2">
+            <a:schemeClr val="accent1">
+              <a:shade val="15000"/>
+            </a:schemeClr>
+          </a:lnRef>
+          <a:fillRef idx="1">
+            <a:schemeClr val="accent1"/>
+          </a:fillRef>
+          <a:effectRef idx="0">
+            <a:schemeClr val="accent1"/>
+          </a:effectRef>
+          <a:fontRef idx="minor">
+            <a:schemeClr val="lt1"/>
+          </a:fontRef>
+        </p:style>
+        <p:txBody>
+          <a:bodyPr rtlCol="0" anchor="ctr"/>
+          <a:lstStyle/>
+          <a:p>
+            <a:pPr algn="ctr"/>
+            <a:endParaRPr lang="pt-BR" sz="1200" dirty="0">
+              <a:solidFill>
+                <a:schemeClr val="bg1"/>
+              </a:solidFill>
+              <a:latin typeface="Consolas" panose="020B0609020204030204" pitchFamily="49" charset="0"/>
+            </a:endParaRPr>
+          </a:p>
+        </p:txBody>
+      </p:sp>
+      <p:sp>
+        <p:nvSpPr>
+          <p:cNvPr id="9" name="Elipse 8">
+            <a:extLst>
+              <a:ext uri="{FF2B5EF4-FFF2-40B4-BE49-F238E27FC236}">
+                <a16:creationId xmlns:a16="http://schemas.microsoft.com/office/drawing/2014/main" id="{D4DCD432-3960-3BF9-5D03-19F615E2D7DC}"/>
+              </a:ext>
+            </a:extLst>
+          </p:cNvPr>
+          <p:cNvSpPr/>
+          <p:nvPr/>
+        </p:nvSpPr>
+        <p:spPr>
+          <a:xfrm>
+            <a:off x="7041944" y="4622614"/>
+            <a:ext cx="180000" cy="180000"/>
+          </a:xfrm>
+          <a:prstGeom prst="ellipse">
+            <a:avLst/>
+          </a:prstGeom>
+          <a:solidFill>
+            <a:srgbClr val="C00000"/>
+          </a:solidFill>
+          <a:ln>
+            <a:noFill/>
+          </a:ln>
+        </p:spPr>
+        <p:style>
+          <a:lnRef idx="2">
+            <a:schemeClr val="accent1">
+              <a:shade val="15000"/>
+            </a:schemeClr>
+          </a:lnRef>
+          <a:fillRef idx="1">
+            <a:schemeClr val="accent1"/>
+          </a:fillRef>
+          <a:effectRef idx="0">
+            <a:schemeClr val="accent1"/>
+          </a:effectRef>
+          <a:fontRef idx="minor">
+            <a:schemeClr val="lt1"/>
+          </a:fontRef>
+        </p:style>
+        <p:txBody>
+          <a:bodyPr rtlCol="0" anchor="ctr"/>
+          <a:lstStyle/>
+          <a:p>
+            <a:pPr algn="ctr"/>
+            <a:endParaRPr lang="pt-BR" sz="1200" dirty="0">
+              <a:solidFill>
+                <a:schemeClr val="bg1"/>
+              </a:solidFill>
+              <a:latin typeface="Consolas" panose="020B0609020204030204" pitchFamily="49" charset="0"/>
+            </a:endParaRPr>
+          </a:p>
+        </p:txBody>
+      </p:sp>
+      <p:sp>
+        <p:nvSpPr>
+          <p:cNvPr id="10" name="Elipse 9">
+            <a:extLst>
+              <a:ext uri="{FF2B5EF4-FFF2-40B4-BE49-F238E27FC236}">
+                <a16:creationId xmlns:a16="http://schemas.microsoft.com/office/drawing/2014/main" id="{27CAAD78-1848-74FF-15E6-E3CFF31A283A}"/>
+              </a:ext>
+            </a:extLst>
+          </p:cNvPr>
+          <p:cNvSpPr/>
+          <p:nvPr/>
+        </p:nvSpPr>
+        <p:spPr>
+          <a:xfrm>
+            <a:off x="8063110" y="1761879"/>
+            <a:ext cx="180000" cy="180000"/>
+          </a:xfrm>
+          <a:prstGeom prst="ellipse">
+            <a:avLst/>
+          </a:prstGeom>
+          <a:solidFill>
+            <a:srgbClr val="C00000"/>
+          </a:solidFill>
+          <a:ln>
+            <a:noFill/>
+          </a:ln>
+        </p:spPr>
+        <p:style>
+          <a:lnRef idx="2">
+            <a:schemeClr val="accent1">
+              <a:shade val="15000"/>
+            </a:schemeClr>
+          </a:lnRef>
+          <a:fillRef idx="1">
+            <a:schemeClr val="accent1"/>
+          </a:fillRef>
+          <a:effectRef idx="0">
+            <a:schemeClr val="accent1"/>
+          </a:effectRef>
+          <a:fontRef idx="minor">
+            <a:schemeClr val="lt1"/>
+          </a:fontRef>
+        </p:style>
+        <p:txBody>
+          <a:bodyPr rtlCol="0" anchor="ctr"/>
+          <a:lstStyle/>
+          <a:p>
+            <a:pPr algn="ctr"/>
+            <a:endParaRPr lang="pt-BR" sz="1200" dirty="0">
+              <a:solidFill>
+                <a:schemeClr val="bg1"/>
+              </a:solidFill>
+              <a:latin typeface="Consolas" panose="020B0609020204030204" pitchFamily="49" charset="0"/>
+            </a:endParaRPr>
+          </a:p>
+        </p:txBody>
+      </p:sp>
+      <p:sp>
+        <p:nvSpPr>
+          <p:cNvPr id="11" name="Elipse 10">
+            <a:extLst>
+              <a:ext uri="{FF2B5EF4-FFF2-40B4-BE49-F238E27FC236}">
+                <a16:creationId xmlns:a16="http://schemas.microsoft.com/office/drawing/2014/main" id="{0CFE3C9E-8212-A281-E34A-3230EDE765C6}"/>
+              </a:ext>
+            </a:extLst>
+          </p:cNvPr>
+          <p:cNvSpPr/>
+          <p:nvPr/>
+        </p:nvSpPr>
+        <p:spPr>
+          <a:xfrm>
+            <a:off x="8078441" y="3977251"/>
+            <a:ext cx="180000" cy="180000"/>
+          </a:xfrm>
+          <a:prstGeom prst="ellipse">
+            <a:avLst/>
+          </a:prstGeom>
+          <a:solidFill>
+            <a:srgbClr val="C00000"/>
+          </a:solidFill>
+          <a:ln>
+            <a:noFill/>
+          </a:ln>
+        </p:spPr>
+        <p:style>
+          <a:lnRef idx="2">
+            <a:schemeClr val="accent1">
+              <a:shade val="15000"/>
+            </a:schemeClr>
+          </a:lnRef>
+          <a:fillRef idx="1">
+            <a:schemeClr val="accent1"/>
+          </a:fillRef>
+          <a:effectRef idx="0">
+            <a:schemeClr val="accent1"/>
+          </a:effectRef>
+          <a:fontRef idx="minor">
+            <a:schemeClr val="lt1"/>
+          </a:fontRef>
+        </p:style>
+        <p:txBody>
+          <a:bodyPr rtlCol="0" anchor="ctr"/>
+          <a:lstStyle/>
+          <a:p>
+            <a:pPr algn="ctr"/>
+            <a:endParaRPr lang="pt-BR" sz="1200" dirty="0">
+              <a:solidFill>
+                <a:schemeClr val="bg1"/>
+              </a:solidFill>
+              <a:latin typeface="Consolas" panose="020B0609020204030204" pitchFamily="49" charset="0"/>
+            </a:endParaRPr>
+          </a:p>
+        </p:txBody>
+      </p:sp>
+      <p:sp>
+        <p:nvSpPr>
+          <p:cNvPr id="12" name="Elipse 11">
+            <a:extLst>
+              <a:ext uri="{FF2B5EF4-FFF2-40B4-BE49-F238E27FC236}">
+                <a16:creationId xmlns:a16="http://schemas.microsoft.com/office/drawing/2014/main" id="{0290774D-8552-7586-464C-3DE71972BA47}"/>
+              </a:ext>
+            </a:extLst>
+          </p:cNvPr>
+          <p:cNvSpPr/>
+          <p:nvPr/>
+        </p:nvSpPr>
+        <p:spPr>
+          <a:xfrm>
+            <a:off x="5988748" y="1436382"/>
+            <a:ext cx="180000" cy="180000"/>
+          </a:xfrm>
+          <a:prstGeom prst="ellipse">
+            <a:avLst/>
+          </a:prstGeom>
+          <a:solidFill>
+            <a:srgbClr val="C00000"/>
+          </a:solidFill>
+          <a:ln>
+            <a:noFill/>
+          </a:ln>
+        </p:spPr>
+        <p:style>
+          <a:lnRef idx="2">
+            <a:schemeClr val="accent1">
+              <a:shade val="15000"/>
+            </a:schemeClr>
+          </a:lnRef>
+          <a:fillRef idx="1">
+            <a:schemeClr val="accent1"/>
+          </a:fillRef>
+          <a:effectRef idx="0">
+            <a:schemeClr val="accent1"/>
+          </a:effectRef>
+          <a:fontRef idx="minor">
+            <a:schemeClr val="lt1"/>
+          </a:fontRef>
+        </p:style>
+        <p:txBody>
+          <a:bodyPr rtlCol="0" anchor="ctr"/>
+          <a:lstStyle/>
+          <a:p>
+            <a:pPr algn="ctr"/>
+            <a:endParaRPr lang="pt-BR" sz="1200" dirty="0">
+              <a:solidFill>
+                <a:schemeClr val="bg1"/>
+              </a:solidFill>
+              <a:latin typeface="Consolas" panose="020B0609020204030204" pitchFamily="49" charset="0"/>
+            </a:endParaRPr>
+          </a:p>
+        </p:txBody>
+      </p:sp>
+      <p:sp>
+        <p:nvSpPr>
+          <p:cNvPr id="13" name="CaixaDeTexto 12">
+            <a:extLst>
+              <a:ext uri="{FF2B5EF4-FFF2-40B4-BE49-F238E27FC236}">
+                <a16:creationId xmlns:a16="http://schemas.microsoft.com/office/drawing/2014/main" id="{85D16EC2-4843-9670-F9A5-3D495911CA4E}"/>
+              </a:ext>
+            </a:extLst>
+          </p:cNvPr>
+          <p:cNvSpPr txBox="1"/>
+          <p:nvPr/>
+        </p:nvSpPr>
+        <p:spPr>
+          <a:xfrm>
+            <a:off x="3188418" y="4423535"/>
+            <a:ext cx="1798890" cy="276999"/>
+          </a:xfrm>
+          <a:prstGeom prst="rect">
+            <a:avLst/>
+          </a:prstGeom>
+          <a:noFill/>
+        </p:spPr>
+        <p:txBody>
+          <a:bodyPr wrap="none" rtlCol="0">
+            <a:spAutoFit/>
+          </a:bodyPr>
+          <a:lstStyle/>
+          <a:p>
+            <a:pPr algn="r"/>
+            <a:r>
+              <a:rPr lang="pt-BR" sz="1200" dirty="0">
+                <a:solidFill>
+                  <a:schemeClr val="bg1"/>
+                </a:solidFill>
+                <a:latin typeface="Consolas" panose="020B0609020204030204" pitchFamily="49" charset="0"/>
+              </a:rPr>
+              <a:t>-0.5f, -0.5f,  0.5f</a:t>
+            </a:r>
+          </a:p>
+        </p:txBody>
+      </p:sp>
+      <p:sp>
+        <p:nvSpPr>
+          <p:cNvPr id="14" name="CaixaDeTexto 13">
+            <a:extLst>
+              <a:ext uri="{FF2B5EF4-FFF2-40B4-BE49-F238E27FC236}">
+                <a16:creationId xmlns:a16="http://schemas.microsoft.com/office/drawing/2014/main" id="{10F60863-46AD-9A7E-3E2C-A41B4527D535}"/>
+              </a:ext>
+            </a:extLst>
+          </p:cNvPr>
+          <p:cNvSpPr txBox="1"/>
+          <p:nvPr/>
+        </p:nvSpPr>
+        <p:spPr>
+          <a:xfrm>
+            <a:off x="7150060" y="4763330"/>
+            <a:ext cx="1798890" cy="276999"/>
+          </a:xfrm>
+          <a:prstGeom prst="rect">
+            <a:avLst/>
+          </a:prstGeom>
+          <a:noFill/>
+        </p:spPr>
+        <p:txBody>
+          <a:bodyPr wrap="none" rtlCol="0">
+            <a:spAutoFit/>
+          </a:bodyPr>
+          <a:lstStyle/>
+          <a:p>
+            <a:r>
+              <a:rPr lang="pt-BR" sz="1200" dirty="0">
+                <a:solidFill>
+                  <a:schemeClr val="bg1"/>
+                </a:solidFill>
+                <a:latin typeface="Consolas" panose="020B0609020204030204" pitchFamily="49" charset="0"/>
+              </a:rPr>
+              <a:t> 0.5f, -0.5f,  0.5f</a:t>
+            </a:r>
+          </a:p>
+        </p:txBody>
+      </p:sp>
+      <p:sp>
+        <p:nvSpPr>
+          <p:cNvPr id="15" name="CaixaDeTexto 14">
+            <a:extLst>
+              <a:ext uri="{FF2B5EF4-FFF2-40B4-BE49-F238E27FC236}">
+                <a16:creationId xmlns:a16="http://schemas.microsoft.com/office/drawing/2014/main" id="{F9A8FD89-9A85-BB34-FE21-75FF253583DF}"/>
+              </a:ext>
+            </a:extLst>
+          </p:cNvPr>
+          <p:cNvSpPr txBox="1"/>
+          <p:nvPr/>
+        </p:nvSpPr>
+        <p:spPr>
+          <a:xfrm>
+            <a:off x="7175074" y="2224163"/>
+            <a:ext cx="1798890" cy="276999"/>
+          </a:xfrm>
+          <a:prstGeom prst="rect">
+            <a:avLst/>
+          </a:prstGeom>
+          <a:noFill/>
+        </p:spPr>
+        <p:txBody>
+          <a:bodyPr wrap="none" rtlCol="0">
+            <a:spAutoFit/>
+          </a:bodyPr>
+          <a:lstStyle/>
+          <a:p>
+            <a:r>
+              <a:rPr lang="pt-BR" sz="1200" dirty="0">
+                <a:solidFill>
+                  <a:schemeClr val="bg1"/>
+                </a:solidFill>
+                <a:latin typeface="Consolas" panose="020B0609020204030204" pitchFamily="49" charset="0"/>
+              </a:rPr>
+              <a:t> 0.5f,  0.5f,  0.5f</a:t>
+            </a:r>
+          </a:p>
+        </p:txBody>
+      </p:sp>
+      <p:sp>
+        <p:nvSpPr>
+          <p:cNvPr id="16" name="CaixaDeTexto 15">
+            <a:extLst>
+              <a:ext uri="{FF2B5EF4-FFF2-40B4-BE49-F238E27FC236}">
+                <a16:creationId xmlns:a16="http://schemas.microsoft.com/office/drawing/2014/main" id="{DF0E22A0-7B70-7445-423F-910BB5CA7932}"/>
+              </a:ext>
+            </a:extLst>
+          </p:cNvPr>
+          <p:cNvSpPr txBox="1"/>
+          <p:nvPr/>
+        </p:nvSpPr>
+        <p:spPr>
+          <a:xfrm>
+            <a:off x="3249280" y="1897416"/>
+            <a:ext cx="1798890" cy="276999"/>
+          </a:xfrm>
+          <a:prstGeom prst="rect">
+            <a:avLst/>
+          </a:prstGeom>
+          <a:noFill/>
+        </p:spPr>
+        <p:txBody>
+          <a:bodyPr wrap="none" rtlCol="0">
+            <a:spAutoFit/>
+          </a:bodyPr>
+          <a:lstStyle/>
+          <a:p>
+            <a:pPr algn="r"/>
+            <a:r>
+              <a:rPr lang="pt-BR" sz="1200" dirty="0">
+                <a:solidFill>
+                  <a:schemeClr val="bg1"/>
+                </a:solidFill>
+                <a:latin typeface="Consolas" panose="020B0609020204030204" pitchFamily="49" charset="0"/>
+              </a:rPr>
+              <a:t>-0.5f,  0.5f,  0.5f</a:t>
+            </a:r>
+          </a:p>
+        </p:txBody>
+      </p:sp>
+      <p:sp>
+        <p:nvSpPr>
+          <p:cNvPr id="17" name="CaixaDeTexto 16">
+            <a:extLst>
+              <a:ext uri="{FF2B5EF4-FFF2-40B4-BE49-F238E27FC236}">
+                <a16:creationId xmlns:a16="http://schemas.microsoft.com/office/drawing/2014/main" id="{FD105954-147C-E241-555A-B0AAB2642705}"/>
+              </a:ext>
+            </a:extLst>
+          </p:cNvPr>
+          <p:cNvSpPr txBox="1"/>
+          <p:nvPr/>
+        </p:nvSpPr>
+        <p:spPr>
+          <a:xfrm>
+            <a:off x="8165102" y="4068770"/>
+            <a:ext cx="1798890" cy="276999"/>
+          </a:xfrm>
+          <a:prstGeom prst="rect">
+            <a:avLst/>
+          </a:prstGeom>
+          <a:noFill/>
+        </p:spPr>
+        <p:txBody>
+          <a:bodyPr wrap="none" rtlCol="0">
+            <a:spAutoFit/>
+          </a:bodyPr>
+          <a:lstStyle/>
+          <a:p>
+            <a:r>
+              <a:rPr lang="pt-BR" sz="1200" dirty="0">
+                <a:solidFill>
+                  <a:schemeClr val="bg1"/>
+                </a:solidFill>
+                <a:latin typeface="Consolas" panose="020B0609020204030204" pitchFamily="49" charset="0"/>
+              </a:rPr>
+              <a:t> 0.5f, -0.5f, -0.5f</a:t>
+            </a:r>
+          </a:p>
+        </p:txBody>
+      </p:sp>
+      <p:sp>
+        <p:nvSpPr>
+          <p:cNvPr id="18" name="CaixaDeTexto 17">
+            <a:extLst>
+              <a:ext uri="{FF2B5EF4-FFF2-40B4-BE49-F238E27FC236}">
+                <a16:creationId xmlns:a16="http://schemas.microsoft.com/office/drawing/2014/main" id="{55F263C9-A791-2926-3BD2-B45FCAC6AE8D}"/>
+              </a:ext>
+            </a:extLst>
+          </p:cNvPr>
+          <p:cNvSpPr txBox="1"/>
+          <p:nvPr/>
+        </p:nvSpPr>
+        <p:spPr>
+          <a:xfrm>
+            <a:off x="8190116" y="1529603"/>
+            <a:ext cx="1798890" cy="276999"/>
+          </a:xfrm>
+          <a:prstGeom prst="rect">
+            <a:avLst/>
+          </a:prstGeom>
+          <a:noFill/>
+        </p:spPr>
+        <p:txBody>
+          <a:bodyPr wrap="none" rtlCol="0">
+            <a:spAutoFit/>
+          </a:bodyPr>
+          <a:lstStyle/>
+          <a:p>
+            <a:r>
+              <a:rPr lang="pt-BR" sz="1200" dirty="0">
+                <a:solidFill>
+                  <a:schemeClr val="bg1"/>
+                </a:solidFill>
+                <a:latin typeface="Consolas" panose="020B0609020204030204" pitchFamily="49" charset="0"/>
+              </a:rPr>
+              <a:t> 0.5f,  0.5f, -0.5f</a:t>
+            </a:r>
+          </a:p>
+        </p:txBody>
+      </p:sp>
+      <p:sp>
+        <p:nvSpPr>
+          <p:cNvPr id="19" name="CaixaDeTexto 18">
+            <a:extLst>
+              <a:ext uri="{FF2B5EF4-FFF2-40B4-BE49-F238E27FC236}">
+                <a16:creationId xmlns:a16="http://schemas.microsoft.com/office/drawing/2014/main" id="{47836895-6876-15F1-5AD6-71B41A36DE14}"/>
+              </a:ext>
+            </a:extLst>
+          </p:cNvPr>
+          <p:cNvSpPr txBox="1"/>
+          <p:nvPr/>
+        </p:nvSpPr>
+        <p:spPr>
+          <a:xfrm>
+            <a:off x="4264322" y="1202856"/>
+            <a:ext cx="1798890" cy="276999"/>
+          </a:xfrm>
+          <a:prstGeom prst="rect">
+            <a:avLst/>
+          </a:prstGeom>
+          <a:noFill/>
+        </p:spPr>
+        <p:txBody>
+          <a:bodyPr wrap="none" rtlCol="0">
+            <a:spAutoFit/>
+          </a:bodyPr>
+          <a:lstStyle/>
+          <a:p>
+            <a:pPr algn="r"/>
+            <a:r>
+              <a:rPr lang="pt-BR" sz="1200" dirty="0">
+                <a:solidFill>
+                  <a:schemeClr val="bg1"/>
+                </a:solidFill>
+                <a:latin typeface="Consolas" panose="020B0609020204030204" pitchFamily="49" charset="0"/>
+              </a:rPr>
+              <a:t>-0.5f,  0.5f, -0.5f</a:t>
+            </a:r>
+          </a:p>
+        </p:txBody>
+      </p:sp>
+      <p:sp>
+        <p:nvSpPr>
+          <p:cNvPr id="20" name="CaixaDeTexto 19">
+            <a:extLst>
+              <a:ext uri="{FF2B5EF4-FFF2-40B4-BE49-F238E27FC236}">
+                <a16:creationId xmlns:a16="http://schemas.microsoft.com/office/drawing/2014/main" id="{5A626D6E-6638-8A17-DBFE-D133A8E62F83}"/>
+              </a:ext>
+            </a:extLst>
+          </p:cNvPr>
+          <p:cNvSpPr txBox="1"/>
+          <p:nvPr/>
+        </p:nvSpPr>
+        <p:spPr>
+          <a:xfrm>
+            <a:off x="0" y="0"/>
+            <a:ext cx="1723549" cy="4524315"/>
+          </a:xfrm>
+          <a:prstGeom prst="rect">
+            <a:avLst/>
+          </a:prstGeom>
+          <a:noFill/>
+        </p:spPr>
+        <p:txBody>
+          <a:bodyPr wrap="none" rtlCol="0">
+            <a:spAutoFit/>
+          </a:bodyPr>
+          <a:lstStyle/>
+          <a:p>
+            <a:r>
+              <a:rPr lang="pt-BR" sz="900" dirty="0" err="1">
+                <a:solidFill>
+                  <a:schemeClr val="bg1"/>
+                </a:solidFill>
+                <a:latin typeface="Consolas" panose="020B0609020204030204" pitchFamily="49" charset="0"/>
+              </a:rPr>
+              <a:t>float</a:t>
+            </a:r>
+            <a:r>
+              <a:rPr lang="pt-BR" sz="900" dirty="0">
+                <a:solidFill>
+                  <a:schemeClr val="bg1"/>
+                </a:solidFill>
+                <a:latin typeface="Consolas" panose="020B0609020204030204" pitchFamily="49" charset="0"/>
+              </a:rPr>
+              <a:t>[] </a:t>
+            </a:r>
+            <a:r>
+              <a:rPr lang="pt-BR" sz="900" dirty="0" err="1">
+                <a:solidFill>
+                  <a:schemeClr val="bg1"/>
+                </a:solidFill>
+                <a:latin typeface="Consolas" panose="020B0609020204030204" pitchFamily="49" charset="0"/>
+              </a:rPr>
+              <a:t>vertices</a:t>
+            </a:r>
+            <a:r>
+              <a:rPr lang="pt-BR" sz="900" dirty="0">
+                <a:solidFill>
+                  <a:schemeClr val="bg1"/>
+                </a:solidFill>
+                <a:latin typeface="Consolas" panose="020B0609020204030204" pitchFamily="49" charset="0"/>
+              </a:rPr>
+              <a:t> = </a:t>
+            </a:r>
+            <a:br>
+              <a:rPr lang="pt-BR" sz="900" dirty="0">
+                <a:solidFill>
+                  <a:schemeClr val="bg1"/>
+                </a:solidFill>
+                <a:latin typeface="Consolas" panose="020B0609020204030204" pitchFamily="49" charset="0"/>
+              </a:rPr>
+            </a:br>
+            <a:r>
+              <a:rPr lang="pt-BR" sz="900" dirty="0">
+                <a:solidFill>
+                  <a:schemeClr val="bg1"/>
+                </a:solidFill>
+                <a:latin typeface="Consolas" panose="020B0609020204030204" pitchFamily="49" charset="0"/>
+              </a:rPr>
+              <a:t>{</a:t>
+            </a:r>
+            <a:br>
+              <a:rPr lang="pt-BR" sz="900" dirty="0">
+                <a:solidFill>
+                  <a:schemeClr val="bg1"/>
+                </a:solidFill>
+                <a:latin typeface="Consolas" panose="020B0609020204030204" pitchFamily="49" charset="0"/>
+              </a:rPr>
+            </a:br>
+            <a:r>
+              <a:rPr lang="pt-BR" sz="900" dirty="0">
+                <a:solidFill>
+                  <a:schemeClr val="bg1"/>
+                </a:solidFill>
+                <a:latin typeface="Consolas" panose="020B0609020204030204" pitchFamily="49" charset="0"/>
+              </a:rPr>
+              <a:t>    -0.5f, -0.5f, -0.5f,</a:t>
+            </a:r>
+          </a:p>
+          <a:p>
+            <a:r>
+              <a:rPr lang="pt-BR" sz="900" dirty="0">
+                <a:solidFill>
+                  <a:schemeClr val="bg1"/>
+                </a:solidFill>
+                <a:latin typeface="Consolas" panose="020B0609020204030204" pitchFamily="49" charset="0"/>
+              </a:rPr>
+              <a:t>    -0.5f, -0.5f,  0.5f,</a:t>
+            </a:r>
+          </a:p>
+          <a:p>
+            <a:r>
+              <a:rPr lang="pt-BR" sz="900" dirty="0">
+                <a:solidFill>
+                  <a:schemeClr val="bg1"/>
+                </a:solidFill>
+                <a:latin typeface="Consolas" panose="020B0609020204030204" pitchFamily="49" charset="0"/>
+              </a:rPr>
+              <a:t>    -0.5f,  0.5f,  0.5f,</a:t>
+            </a:r>
+          </a:p>
+          <a:p>
+            <a:r>
+              <a:rPr lang="pt-BR" sz="900" dirty="0">
+                <a:solidFill>
+                  <a:schemeClr val="bg1"/>
+                </a:solidFill>
+                <a:latin typeface="Consolas" panose="020B0609020204030204" pitchFamily="49" charset="0"/>
+              </a:rPr>
+              <a:t>    -0.5f,  0.5f, -0.5f,</a:t>
+            </a:r>
+            <a:br>
+              <a:rPr lang="pt-BR" sz="900" dirty="0">
+                <a:solidFill>
+                  <a:schemeClr val="bg1"/>
+                </a:solidFill>
+                <a:latin typeface="Consolas" panose="020B0609020204030204" pitchFamily="49" charset="0"/>
+              </a:rPr>
+            </a:br>
+            <a:br>
+              <a:rPr lang="pt-BR" sz="900" dirty="0">
+                <a:solidFill>
+                  <a:schemeClr val="bg1"/>
+                </a:solidFill>
+                <a:latin typeface="Consolas" panose="020B0609020204030204" pitchFamily="49" charset="0"/>
+              </a:rPr>
+            </a:br>
+            <a:r>
+              <a:rPr lang="pt-BR" sz="900" dirty="0">
+                <a:solidFill>
+                  <a:schemeClr val="bg1"/>
+                </a:solidFill>
+                <a:latin typeface="Consolas" panose="020B0609020204030204" pitchFamily="49" charset="0"/>
+              </a:rPr>
+              <a:t>     0.5f, -0.5f,  0.5f,</a:t>
+            </a:r>
+          </a:p>
+          <a:p>
+            <a:r>
+              <a:rPr lang="pt-BR" sz="900" dirty="0">
+                <a:solidFill>
+                  <a:schemeClr val="bg1"/>
+                </a:solidFill>
+                <a:latin typeface="Consolas" panose="020B0609020204030204" pitchFamily="49" charset="0"/>
+              </a:rPr>
+              <a:t>     0.5f, -0.5f, -0.5f,</a:t>
+            </a:r>
+          </a:p>
+          <a:p>
+            <a:r>
+              <a:rPr lang="pt-BR" sz="900" dirty="0">
+                <a:solidFill>
+                  <a:schemeClr val="bg1"/>
+                </a:solidFill>
+                <a:latin typeface="Consolas" panose="020B0609020204030204" pitchFamily="49" charset="0"/>
+              </a:rPr>
+              <a:t>     0.5f,  0.5f, -0.5f,</a:t>
+            </a:r>
+          </a:p>
+          <a:p>
+            <a:r>
+              <a:rPr lang="pt-BR" sz="900" dirty="0">
+                <a:solidFill>
+                  <a:schemeClr val="bg1"/>
+                </a:solidFill>
+                <a:latin typeface="Consolas" panose="020B0609020204030204" pitchFamily="49" charset="0"/>
+              </a:rPr>
+              <a:t>     0.5f,  0.5f,  0.5f,</a:t>
+            </a:r>
+          </a:p>
+          <a:p>
+            <a:endParaRPr lang="pt-BR" sz="900" dirty="0">
+              <a:solidFill>
+                <a:schemeClr val="bg1"/>
+              </a:solidFill>
+              <a:latin typeface="Consolas" panose="020B0609020204030204" pitchFamily="49" charset="0"/>
+            </a:endParaRPr>
+          </a:p>
+          <a:p>
+            <a:r>
+              <a:rPr lang="pt-BR" sz="900" dirty="0">
+                <a:solidFill>
+                  <a:schemeClr val="bg1"/>
+                </a:solidFill>
+                <a:latin typeface="Consolas" panose="020B0609020204030204" pitchFamily="49" charset="0"/>
+              </a:rPr>
+              <a:t>    -0.5f, -0.5f, -0.5f,</a:t>
+            </a:r>
+          </a:p>
+          <a:p>
+            <a:r>
+              <a:rPr lang="pt-BR" sz="900" dirty="0">
+                <a:solidFill>
+                  <a:schemeClr val="bg1"/>
+                </a:solidFill>
+                <a:latin typeface="Consolas" panose="020B0609020204030204" pitchFamily="49" charset="0"/>
+              </a:rPr>
+              <a:t>     0.5f, -0.5f, -0.5f,</a:t>
+            </a:r>
+          </a:p>
+          <a:p>
+            <a:r>
+              <a:rPr lang="pt-BR" sz="900" dirty="0">
+                <a:solidFill>
+                  <a:schemeClr val="bg1"/>
+                </a:solidFill>
+                <a:latin typeface="Consolas" panose="020B0609020204030204" pitchFamily="49" charset="0"/>
+              </a:rPr>
+              <a:t>     0.5f, -0.5f,  0.5f,</a:t>
+            </a:r>
+          </a:p>
+          <a:p>
+            <a:r>
+              <a:rPr lang="pt-BR" sz="900" dirty="0">
+                <a:solidFill>
+                  <a:schemeClr val="bg1"/>
+                </a:solidFill>
+                <a:latin typeface="Consolas" panose="020B0609020204030204" pitchFamily="49" charset="0"/>
+              </a:rPr>
+              <a:t>    -0.5f, -0.5f,  0.5f,</a:t>
+            </a:r>
+          </a:p>
+          <a:p>
+            <a:endParaRPr lang="pt-BR" sz="900" dirty="0">
+              <a:solidFill>
+                <a:schemeClr val="bg1"/>
+              </a:solidFill>
+              <a:latin typeface="Consolas" panose="020B0609020204030204" pitchFamily="49" charset="0"/>
+            </a:endParaRPr>
+          </a:p>
+          <a:p>
+            <a:r>
+              <a:rPr lang="pt-BR" sz="900" dirty="0">
+                <a:solidFill>
+                  <a:schemeClr val="bg1"/>
+                </a:solidFill>
+                <a:latin typeface="Consolas" panose="020B0609020204030204" pitchFamily="49" charset="0"/>
+              </a:rPr>
+              <a:t>    -0.5f,  0.5f,  0.5f,</a:t>
+            </a:r>
+          </a:p>
+          <a:p>
+            <a:r>
+              <a:rPr lang="pt-BR" sz="900" dirty="0">
+                <a:solidFill>
+                  <a:schemeClr val="bg1"/>
+                </a:solidFill>
+                <a:latin typeface="Consolas" panose="020B0609020204030204" pitchFamily="49" charset="0"/>
+              </a:rPr>
+              <a:t>     0.5f,  0.5f,  0.5f,</a:t>
+            </a:r>
+          </a:p>
+          <a:p>
+            <a:r>
+              <a:rPr lang="pt-BR" sz="900" dirty="0">
+                <a:solidFill>
+                  <a:schemeClr val="bg1"/>
+                </a:solidFill>
+                <a:latin typeface="Consolas" panose="020B0609020204030204" pitchFamily="49" charset="0"/>
+              </a:rPr>
+              <a:t>     0.5f,  0.5f, -0.5f,</a:t>
+            </a:r>
+          </a:p>
+          <a:p>
+            <a:r>
+              <a:rPr lang="pt-BR" sz="900" dirty="0">
+                <a:solidFill>
+                  <a:schemeClr val="bg1"/>
+                </a:solidFill>
+                <a:latin typeface="Consolas" panose="020B0609020204030204" pitchFamily="49" charset="0"/>
+              </a:rPr>
+              <a:t>    -0.5f,  0.5f, -0.5f,</a:t>
+            </a:r>
+          </a:p>
+          <a:p>
+            <a:endParaRPr lang="pt-BR" sz="900" dirty="0">
+              <a:solidFill>
+                <a:schemeClr val="bg1"/>
+              </a:solidFill>
+              <a:latin typeface="Consolas" panose="020B0609020204030204" pitchFamily="49" charset="0"/>
+            </a:endParaRPr>
+          </a:p>
+          <a:p>
+            <a:r>
+              <a:rPr lang="pt-BR" sz="900" dirty="0">
+                <a:solidFill>
+                  <a:schemeClr val="bg1"/>
+                </a:solidFill>
+                <a:latin typeface="Consolas" panose="020B0609020204030204" pitchFamily="49" charset="0"/>
+              </a:rPr>
+              <a:t>     0.5f, -0.5f, -0.5f,</a:t>
+            </a:r>
+          </a:p>
+          <a:p>
+            <a:r>
+              <a:rPr lang="pt-BR" sz="900" dirty="0">
+                <a:solidFill>
+                  <a:schemeClr val="bg1"/>
+                </a:solidFill>
+                <a:latin typeface="Consolas" panose="020B0609020204030204" pitchFamily="49" charset="0"/>
+              </a:rPr>
+              <a:t>    -0.5f, -0.5f, -0.5f,</a:t>
+            </a:r>
+          </a:p>
+          <a:p>
+            <a:r>
+              <a:rPr lang="pt-BR" sz="900" dirty="0">
+                <a:solidFill>
+                  <a:schemeClr val="bg1"/>
+                </a:solidFill>
+                <a:latin typeface="Consolas" panose="020B0609020204030204" pitchFamily="49" charset="0"/>
+              </a:rPr>
+              <a:t>    -0.5f,  0.5f, -0.5f,</a:t>
+            </a:r>
+          </a:p>
+          <a:p>
+            <a:r>
+              <a:rPr lang="pt-BR" sz="900" dirty="0">
+                <a:solidFill>
+                  <a:schemeClr val="bg1"/>
+                </a:solidFill>
+                <a:latin typeface="Consolas" panose="020B0609020204030204" pitchFamily="49" charset="0"/>
+              </a:rPr>
+              <a:t>     0.5f,  0.5f, -0.5f,</a:t>
+            </a:r>
+          </a:p>
+          <a:p>
+            <a:endParaRPr lang="pt-BR" sz="900" dirty="0">
+              <a:solidFill>
+                <a:schemeClr val="bg1"/>
+              </a:solidFill>
+              <a:latin typeface="Consolas" panose="020B0609020204030204" pitchFamily="49" charset="0"/>
+            </a:endParaRPr>
+          </a:p>
+          <a:p>
+            <a:r>
+              <a:rPr lang="pt-BR" sz="900" dirty="0">
+                <a:solidFill>
+                  <a:schemeClr val="bg1"/>
+                </a:solidFill>
+                <a:latin typeface="Consolas" panose="020B0609020204030204" pitchFamily="49" charset="0"/>
+              </a:rPr>
+              <a:t>    -0.5f, -0.5f,  0.5f,</a:t>
+            </a:r>
+          </a:p>
+          <a:p>
+            <a:r>
+              <a:rPr lang="pt-BR" sz="900" dirty="0">
+                <a:solidFill>
+                  <a:schemeClr val="bg1"/>
+                </a:solidFill>
+                <a:latin typeface="Consolas" panose="020B0609020204030204" pitchFamily="49" charset="0"/>
+              </a:rPr>
+              <a:t>     0.5f, -0.5f,  0.5f,</a:t>
+            </a:r>
+          </a:p>
+          <a:p>
+            <a:r>
+              <a:rPr lang="pt-BR" sz="900" dirty="0">
+                <a:solidFill>
+                  <a:schemeClr val="bg1"/>
+                </a:solidFill>
+                <a:latin typeface="Consolas" panose="020B0609020204030204" pitchFamily="49" charset="0"/>
+              </a:rPr>
+              <a:t>     0.5f,  0.5f,  0.5f,</a:t>
+            </a:r>
+          </a:p>
+          <a:p>
+            <a:r>
+              <a:rPr lang="pt-BR" sz="900" dirty="0">
+                <a:solidFill>
+                  <a:schemeClr val="bg1"/>
+                </a:solidFill>
+                <a:latin typeface="Consolas" panose="020B0609020204030204" pitchFamily="49" charset="0"/>
+              </a:rPr>
+              <a:t>    -0.5f,  0.5f,  0.5f</a:t>
+            </a:r>
+            <a:br>
+              <a:rPr lang="pt-BR" sz="900" dirty="0">
+                <a:solidFill>
+                  <a:schemeClr val="bg1"/>
+                </a:solidFill>
+                <a:latin typeface="Consolas" panose="020B0609020204030204" pitchFamily="49" charset="0"/>
+              </a:rPr>
+            </a:br>
+            <a:r>
+              <a:rPr lang="pt-BR" sz="900" dirty="0">
+                <a:solidFill>
+                  <a:schemeClr val="bg1"/>
+                </a:solidFill>
+                <a:latin typeface="Consolas" panose="020B0609020204030204" pitchFamily="49" charset="0"/>
+              </a:rPr>
+              <a:t>}</a:t>
+            </a:r>
+          </a:p>
+        </p:txBody>
+      </p:sp>
+      <p:sp>
+        <p:nvSpPr>
+          <p:cNvPr id="21" name="CaixaDeTexto 20">
+            <a:extLst>
+              <a:ext uri="{FF2B5EF4-FFF2-40B4-BE49-F238E27FC236}">
+                <a16:creationId xmlns:a16="http://schemas.microsoft.com/office/drawing/2014/main" id="{A85DC137-D866-281D-6719-61B7319631D6}"/>
+              </a:ext>
+            </a:extLst>
+          </p:cNvPr>
+          <p:cNvSpPr txBox="1"/>
+          <p:nvPr/>
+        </p:nvSpPr>
+        <p:spPr>
+          <a:xfrm>
+            <a:off x="0" y="4597794"/>
+            <a:ext cx="1915909" cy="2031325"/>
+          </a:xfrm>
+          <a:prstGeom prst="rect">
+            <a:avLst/>
+          </a:prstGeom>
+          <a:noFill/>
+        </p:spPr>
+        <p:txBody>
+          <a:bodyPr wrap="none" rtlCol="0">
+            <a:spAutoFit/>
+          </a:bodyPr>
+          <a:lstStyle/>
+          <a:p>
+            <a:r>
+              <a:rPr lang="pt-BR" sz="900" dirty="0" err="1">
+                <a:solidFill>
+                  <a:schemeClr val="bg1"/>
+                </a:solidFill>
+                <a:latin typeface="Consolas" panose="020B0609020204030204" pitchFamily="49" charset="0"/>
+              </a:rPr>
+              <a:t>uint</a:t>
+            </a:r>
+            <a:r>
+              <a:rPr lang="pt-BR" sz="900" dirty="0">
+                <a:solidFill>
+                  <a:schemeClr val="bg1"/>
+                </a:solidFill>
+                <a:latin typeface="Consolas" panose="020B0609020204030204" pitchFamily="49" charset="0"/>
+              </a:rPr>
+              <a:t>[] </a:t>
+            </a:r>
+            <a:r>
+              <a:rPr lang="pt-BR" sz="900" dirty="0" err="1">
+                <a:solidFill>
+                  <a:schemeClr val="bg1"/>
+                </a:solidFill>
+                <a:latin typeface="Consolas" panose="020B0609020204030204" pitchFamily="49" charset="0"/>
+              </a:rPr>
+              <a:t>indices</a:t>
+            </a:r>
+            <a:r>
+              <a:rPr lang="pt-BR" sz="900" dirty="0">
+                <a:solidFill>
+                  <a:schemeClr val="bg1"/>
+                </a:solidFill>
+                <a:latin typeface="Consolas" panose="020B0609020204030204" pitchFamily="49" charset="0"/>
+              </a:rPr>
+              <a:t> = </a:t>
+            </a:r>
+            <a:br>
+              <a:rPr lang="pt-BR" sz="900" dirty="0">
+                <a:solidFill>
+                  <a:schemeClr val="bg1"/>
+                </a:solidFill>
+                <a:latin typeface="Consolas" panose="020B0609020204030204" pitchFamily="49" charset="0"/>
+              </a:rPr>
+            </a:br>
+            <a:r>
+              <a:rPr lang="pt-BR" sz="900" dirty="0">
+                <a:solidFill>
+                  <a:schemeClr val="bg1"/>
+                </a:solidFill>
+                <a:latin typeface="Consolas" panose="020B0609020204030204" pitchFamily="49" charset="0"/>
+              </a:rPr>
+              <a:t>{</a:t>
+            </a:r>
+            <a:br>
+              <a:rPr lang="pt-BR" sz="900" dirty="0">
+                <a:solidFill>
+                  <a:schemeClr val="bg1"/>
+                </a:solidFill>
+                <a:latin typeface="Consolas" panose="020B0609020204030204" pitchFamily="49" charset="0"/>
+              </a:rPr>
+            </a:br>
+            <a:r>
+              <a:rPr lang="pt-BR" sz="900" dirty="0">
+                <a:solidFill>
+                  <a:schemeClr val="bg1"/>
+                </a:solidFill>
+                <a:latin typeface="Consolas" panose="020B0609020204030204" pitchFamily="49" charset="0"/>
+              </a:rPr>
+              <a:t>    0, 1, 2, 0, 2, 3,</a:t>
+            </a:r>
+          </a:p>
+          <a:p>
+            <a:endParaRPr lang="pt-BR" sz="900" dirty="0">
+              <a:solidFill>
+                <a:schemeClr val="bg1"/>
+              </a:solidFill>
+              <a:latin typeface="Consolas" panose="020B0609020204030204" pitchFamily="49" charset="0"/>
+            </a:endParaRPr>
+          </a:p>
+          <a:p>
+            <a:r>
+              <a:rPr lang="pt-BR" sz="900" dirty="0">
+                <a:solidFill>
+                  <a:schemeClr val="bg1"/>
+                </a:solidFill>
+                <a:latin typeface="Consolas" panose="020B0609020204030204" pitchFamily="49" charset="0"/>
+              </a:rPr>
+              <a:t>    4, 5, 6, 4, 6, 7,</a:t>
+            </a:r>
+          </a:p>
+          <a:p>
+            <a:endParaRPr lang="pt-BR" sz="900" dirty="0">
+              <a:solidFill>
+                <a:schemeClr val="bg1"/>
+              </a:solidFill>
+              <a:latin typeface="Consolas" panose="020B0609020204030204" pitchFamily="49" charset="0"/>
+            </a:endParaRPr>
+          </a:p>
+          <a:p>
+            <a:r>
+              <a:rPr lang="pt-BR" sz="900" dirty="0">
+                <a:solidFill>
+                  <a:schemeClr val="bg1"/>
+                </a:solidFill>
+                <a:latin typeface="Consolas" panose="020B0609020204030204" pitchFamily="49" charset="0"/>
+              </a:rPr>
+              <a:t>    8, 9, 10, 8, 10, 11</a:t>
+            </a:r>
+          </a:p>
+          <a:p>
+            <a:endParaRPr lang="pt-BR" sz="900" dirty="0">
+              <a:solidFill>
+                <a:schemeClr val="bg1"/>
+              </a:solidFill>
+              <a:latin typeface="Consolas" panose="020B0609020204030204" pitchFamily="49" charset="0"/>
+            </a:endParaRPr>
+          </a:p>
+          <a:p>
+            <a:r>
+              <a:rPr lang="pt-BR" sz="900" dirty="0">
+                <a:solidFill>
+                  <a:schemeClr val="bg1"/>
+                </a:solidFill>
+                <a:latin typeface="Consolas" panose="020B0609020204030204" pitchFamily="49" charset="0"/>
+              </a:rPr>
+              <a:t>    12, 13, 14, 12, 14, 15,</a:t>
+            </a:r>
+          </a:p>
+          <a:p>
+            <a:endParaRPr lang="pt-BR" sz="900" dirty="0">
+              <a:solidFill>
+                <a:schemeClr val="bg1"/>
+              </a:solidFill>
+              <a:latin typeface="Consolas" panose="020B0609020204030204" pitchFamily="49" charset="0"/>
+            </a:endParaRPr>
+          </a:p>
+          <a:p>
+            <a:r>
+              <a:rPr lang="pt-BR" sz="900" dirty="0">
+                <a:solidFill>
+                  <a:schemeClr val="bg1"/>
+                </a:solidFill>
+                <a:latin typeface="Consolas" panose="020B0609020204030204" pitchFamily="49" charset="0"/>
+              </a:rPr>
+              <a:t>    16, 17, 18, 16, 18, 19,</a:t>
+            </a:r>
+          </a:p>
+          <a:p>
+            <a:endParaRPr lang="pt-BR" sz="900" dirty="0">
+              <a:solidFill>
+                <a:schemeClr val="bg1"/>
+              </a:solidFill>
+              <a:latin typeface="Consolas" panose="020B0609020204030204" pitchFamily="49" charset="0"/>
+            </a:endParaRPr>
+          </a:p>
+          <a:p>
+            <a:r>
+              <a:rPr lang="pt-BR" sz="900" dirty="0">
+                <a:solidFill>
+                  <a:schemeClr val="bg1"/>
+                </a:solidFill>
+                <a:latin typeface="Consolas" panose="020B0609020204030204" pitchFamily="49" charset="0"/>
+              </a:rPr>
+              <a:t>    20, 21, 22, 20, 22, 23</a:t>
+            </a:r>
+            <a:br>
+              <a:rPr lang="pt-BR" sz="900" dirty="0">
+                <a:solidFill>
+                  <a:schemeClr val="bg1"/>
+                </a:solidFill>
+                <a:latin typeface="Consolas" panose="020B0609020204030204" pitchFamily="49" charset="0"/>
+              </a:rPr>
+            </a:br>
+            <a:r>
+              <a:rPr lang="pt-BR" sz="900" dirty="0">
+                <a:solidFill>
+                  <a:schemeClr val="bg1"/>
+                </a:solidFill>
+                <a:latin typeface="Consolas" panose="020B0609020204030204" pitchFamily="49" charset="0"/>
+              </a:rPr>
+              <a:t>}</a:t>
+            </a:r>
+          </a:p>
+        </p:txBody>
+      </p:sp>
+    </p:spTree>
+    <p:extLst>
+      <p:ext uri="{BB962C8B-B14F-4D97-AF65-F5344CB8AC3E}">
+        <p14:creationId xmlns:p14="http://schemas.microsoft.com/office/powerpoint/2010/main" val="2773742273"/>
       </p:ext>
     </p:extLst>
   </p:cSld>
